--- a/lectures/6/1_Designing the Data Collection Form for Communication Data.pptx
+++ b/lectures/6/1_Designing the Data Collection Form for Communication Data.pptx
@@ -6817,7 +6817,7 @@
           <a:p>
             <a:fld id="{73B2889B-A0AC-4482-8592-5C96F2309420}" type="datetimeFigureOut">
               <a:rPr lang="en-US" smtClean="0"/>
-              <a:t>2/21/2022</a:t>
+              <a:t>2/19/2023</a:t>
             </a:fld>
             <a:endParaRPr lang="en-US"/>
           </a:p>
@@ -6994,7 +6994,7 @@
           <a:p>
             <a:fld id="{830EB223-FFC0-462A-A3B8-EAA7CE0F8CBD}" type="datetimeFigureOut">
               <a:rPr lang="en-US" smtClean="0"/>
-              <a:t>2/21/2022</a:t>
+              <a:t>2/19/2023</a:t>
             </a:fld>
             <a:endParaRPr lang="en-US" dirty="0"/>
           </a:p>
@@ -9140,15 +9140,7 @@
           <a:p>
             <a:r>
               <a:rPr lang="en-US" dirty="0"/>
-              <a:t>The </a:t>
-            </a:r>
-            <a:r>
-              <a:rPr lang="en-US" dirty="0" err="1"/>
-              <a:t>respodnents</a:t>
-            </a:r>
-            <a:r>
-              <a:rPr lang="en-US" dirty="0"/>
-              <a:t> must understand that the interviewers do not know what question the respondents were asked. </a:t>
+              <a:t>The respondents must understand that the interviewers do not know what question the respondents were asked. </a:t>
             </a:r>
           </a:p>
         </p:txBody>
@@ -12865,7 +12857,7 @@
           <a:p>
             <a:fld id="{8A35812F-99AF-4BD4-8243-7B044A17BDDE}" type="datetime1">
               <a:rPr lang="en-US" smtClean="0"/>
-              <a:t>2/21/2022</a:t>
+              <a:t>2/19/2023</a:t>
             </a:fld>
             <a:endParaRPr lang="en-US" dirty="0"/>
           </a:p>
@@ -13067,7 +13059,7 @@
           <a:p>
             <a:fld id="{530C42D9-EDD5-43D7-92FA-0F52DC5285AB}" type="datetime1">
               <a:rPr lang="en-US" smtClean="0"/>
-              <a:t>2/21/2022</a:t>
+              <a:t>2/19/2023</a:t>
             </a:fld>
             <a:endParaRPr lang="en-US" dirty="0"/>
           </a:p>
@@ -13279,7 +13271,7 @@
           <a:p>
             <a:fld id="{009444EE-44E0-4DD0-B923-1C1243ECDF97}" type="datetime1">
               <a:rPr lang="en-US" smtClean="0"/>
-              <a:t>2/21/2022</a:t>
+              <a:t>2/19/2023</a:t>
             </a:fld>
             <a:endParaRPr lang="en-US" dirty="0"/>
           </a:p>
@@ -13481,7 +13473,7 @@
           <a:p>
             <a:fld id="{8E71FAFA-920C-44B1-8F17-951198AEE18E}" type="datetime1">
               <a:rPr lang="en-US" smtClean="0"/>
-              <a:t>2/21/2022</a:t>
+              <a:t>2/19/2023</a:t>
             </a:fld>
             <a:endParaRPr lang="en-US" dirty="0"/>
           </a:p>
@@ -13760,7 +13752,7 @@
           <a:p>
             <a:fld id="{6FFCC8EE-5FE0-42C4-8130-5E264FD441A5}" type="datetime1">
               <a:rPr lang="en-US" smtClean="0"/>
-              <a:t>2/21/2022</a:t>
+              <a:t>2/19/2023</a:t>
             </a:fld>
             <a:endParaRPr lang="en-US" dirty="0"/>
           </a:p>
@@ -14029,7 +14021,7 @@
           <a:p>
             <a:fld id="{D7A7FB71-F2CC-4277-9191-82B4BC1E1FFF}" type="datetime1">
               <a:rPr lang="en-US" smtClean="0"/>
-              <a:t>2/21/2022</a:t>
+              <a:t>2/19/2023</a:t>
             </a:fld>
             <a:endParaRPr lang="en-US" dirty="0"/>
           </a:p>
@@ -14445,7 +14437,7 @@
           <a:p>
             <a:fld id="{BBF5DB8E-2310-4119-A3F5-23B7568B05FB}" type="datetime1">
               <a:rPr lang="en-US" smtClean="0"/>
-              <a:t>2/21/2022</a:t>
+              <a:t>2/19/2023</a:t>
             </a:fld>
             <a:endParaRPr lang="en-US" dirty="0"/>
           </a:p>
@@ -14590,7 +14582,7 @@
           <a:p>
             <a:fld id="{0220506B-3ADF-4BF8-A7AA-A2C4CF75112F}" type="datetime1">
               <a:rPr lang="en-US" smtClean="0"/>
-              <a:t>2/21/2022</a:t>
+              <a:t>2/19/2023</a:t>
             </a:fld>
             <a:endParaRPr lang="en-US" dirty="0"/>
           </a:p>
@@ -14707,7 +14699,7 @@
           <a:p>
             <a:fld id="{1831213C-DB0E-449F-BA2E-95219C383337}" type="datetime1">
               <a:rPr lang="en-US" smtClean="0"/>
-              <a:t>2/21/2022</a:t>
+              <a:t>2/19/2023</a:t>
             </a:fld>
             <a:endParaRPr lang="en-US" dirty="0"/>
           </a:p>
@@ -15022,7 +15014,7 @@
           <a:p>
             <a:fld id="{ADBD0578-94DB-41D7-A161-2B6CA42CED96}" type="datetime1">
               <a:rPr lang="en-US" smtClean="0"/>
-              <a:t>2/21/2022</a:t>
+              <a:t>2/19/2023</a:t>
             </a:fld>
             <a:endParaRPr lang="en-US" dirty="0"/>
           </a:p>
@@ -15318,7 +15310,7 @@
           <a:p>
             <a:fld id="{568D8D1C-7B2C-4563-B607-3FCE61C2D7DA}" type="datetime1">
               <a:rPr lang="en-US" smtClean="0"/>
-              <a:t>2/21/2022</a:t>
+              <a:t>2/19/2023</a:t>
             </a:fld>
             <a:endParaRPr lang="en-US" dirty="0"/>
           </a:p>
@@ -15563,7 +15555,7 @@
           <a:p>
             <a:fld id="{70238022-1F1B-45F8-87A0-F3D2B3E84BE9}" type="datetime1">
               <a:rPr lang="en-US" smtClean="0"/>
-              <a:t>2/21/2022</a:t>
+              <a:t>2/19/2023</a:t>
             </a:fld>
             <a:endParaRPr lang="en-US" dirty="0"/>
           </a:p>
@@ -16120,13 +16112,6 @@
             <a:pPr algn="l"/>
             <a:r>
               <a:rPr lang="en-US" dirty="0"/>
-              <a:t>Take your name tag</a:t>
-            </a:r>
-          </a:p>
-          <a:p>
-            <a:pPr algn="l"/>
-            <a:r>
-              <a:rPr lang="en-US" dirty="0"/>
               <a:t>Check-in</a:t>
             </a:r>
           </a:p>
@@ -20218,13 +20203,13 @@
           <a:lstStyle/>
           <a:p>
             <a:r>
-              <a:rPr lang="en-US" sz="2200"/>
+              <a:rPr lang="en-US" sz="2200" dirty="0"/>
               <a:t>The first step should be relatively easy, assuming that the researchers have done a good job at earlier stages in the research process </a:t>
             </a:r>
           </a:p>
           <a:p>
             <a:r>
-              <a:rPr lang="en-US" sz="2200"/>
+              <a:rPr lang="en-US" sz="2200" dirty="0"/>
               <a:t>Hypotheses, dummy tables, etc., make it clear what information is needed</a:t>
             </a:r>
           </a:p>
@@ -20326,6 +20311,137 @@
   <p:clrMapOvr>
     <a:masterClrMapping/>
   </p:clrMapOvr>
+  <p:timing>
+    <p:tnLst>
+      <p:par>
+        <p:cTn id="1" dur="indefinite" restart="never" nodeType="tmRoot">
+          <p:childTnLst>
+            <p:seq concurrent="1" nextAc="seek">
+              <p:cTn id="2" dur="indefinite" nodeType="mainSeq">
+                <p:childTnLst>
+                  <p:par>
+                    <p:cTn id="3" fill="hold">
+                      <p:stCondLst>
+                        <p:cond delay="indefinite"/>
+                      </p:stCondLst>
+                      <p:childTnLst>
+                        <p:par>
+                          <p:cTn id="4" fill="hold">
+                            <p:stCondLst>
+                              <p:cond delay="0"/>
+                            </p:stCondLst>
+                            <p:childTnLst>
+                              <p:par>
+                                <p:cTn id="5" presetID="1" presetClass="entr" presetSubtype="0" fill="hold" grpId="0" nodeType="clickEffect">
+                                  <p:stCondLst>
+                                    <p:cond delay="0"/>
+                                  </p:stCondLst>
+                                  <p:childTnLst>
+                                    <p:set>
+                                      <p:cBhvr>
+                                        <p:cTn id="6" dur="1" fill="hold">
+                                          <p:stCondLst>
+                                            <p:cond delay="0"/>
+                                          </p:stCondLst>
+                                        </p:cTn>
+                                        <p:tgtEl>
+                                          <p:spTgt spid="3">
+                                            <p:txEl>
+                                              <p:pRg st="0" end="0"/>
+                                            </p:txEl>
+                                          </p:spTgt>
+                                        </p:tgtEl>
+                                        <p:attrNameLst>
+                                          <p:attrName>style.visibility</p:attrName>
+                                        </p:attrNameLst>
+                                      </p:cBhvr>
+                                      <p:to>
+                                        <p:strVal val="visible"/>
+                                      </p:to>
+                                    </p:set>
+                                  </p:childTnLst>
+                                </p:cTn>
+                              </p:par>
+                            </p:childTnLst>
+                          </p:cTn>
+                        </p:par>
+                      </p:childTnLst>
+                    </p:cTn>
+                  </p:par>
+                  <p:par>
+                    <p:cTn id="7" fill="hold">
+                      <p:stCondLst>
+                        <p:cond delay="indefinite"/>
+                      </p:stCondLst>
+                      <p:childTnLst>
+                        <p:par>
+                          <p:cTn id="8" fill="hold">
+                            <p:stCondLst>
+                              <p:cond delay="0"/>
+                            </p:stCondLst>
+                            <p:childTnLst>
+                              <p:par>
+                                <p:cTn id="9" presetID="1" presetClass="entr" presetSubtype="0" fill="hold" grpId="0" nodeType="clickEffect">
+                                  <p:stCondLst>
+                                    <p:cond delay="0"/>
+                                  </p:stCondLst>
+                                  <p:childTnLst>
+                                    <p:set>
+                                      <p:cBhvr>
+                                        <p:cTn id="10" dur="1" fill="hold">
+                                          <p:stCondLst>
+                                            <p:cond delay="0"/>
+                                          </p:stCondLst>
+                                        </p:cTn>
+                                        <p:tgtEl>
+                                          <p:spTgt spid="3">
+                                            <p:txEl>
+                                              <p:pRg st="1" end="1"/>
+                                            </p:txEl>
+                                          </p:spTgt>
+                                        </p:tgtEl>
+                                        <p:attrNameLst>
+                                          <p:attrName>style.visibility</p:attrName>
+                                        </p:attrNameLst>
+                                      </p:cBhvr>
+                                      <p:to>
+                                        <p:strVal val="visible"/>
+                                      </p:to>
+                                    </p:set>
+                                  </p:childTnLst>
+                                </p:cTn>
+                              </p:par>
+                            </p:childTnLst>
+                          </p:cTn>
+                        </p:par>
+                      </p:childTnLst>
+                    </p:cTn>
+                  </p:par>
+                </p:childTnLst>
+              </p:cTn>
+              <p:prevCondLst>
+                <p:cond evt="onPrev" delay="0">
+                  <p:tgtEl>
+                    <p:sldTgt/>
+                  </p:tgtEl>
+                </p:cond>
+              </p:prevCondLst>
+              <p:nextCondLst>
+                <p:cond evt="onNext" delay="0">
+                  <p:tgtEl>
+                    <p:sldTgt/>
+                  </p:tgtEl>
+                </p:cond>
+              </p:nextCondLst>
+            </p:seq>
+          </p:childTnLst>
+        </p:cTn>
+      </p:par>
+    </p:tnLst>
+    <p:bldLst>
+      <p:bldP spid="3" grpId="0" build="p"/>
+    </p:bldLst>
+  </p:timing>
 </p:sld>
 </file>
 
@@ -21389,6 +21505,477 @@
   <p:clrMapOvr>
     <a:masterClrMapping/>
   </p:clrMapOvr>
+  <p:timing>
+    <p:tnLst>
+      <p:par>
+        <p:cTn id="1" dur="indefinite" restart="never" nodeType="tmRoot">
+          <p:childTnLst>
+            <p:seq concurrent="1" nextAc="seek">
+              <p:cTn id="2" dur="indefinite" nodeType="mainSeq">
+                <p:childTnLst>
+                  <p:par>
+                    <p:cTn id="3" fill="hold">
+                      <p:stCondLst>
+                        <p:cond delay="indefinite"/>
+                      </p:stCondLst>
+                      <p:childTnLst>
+                        <p:par>
+                          <p:cTn id="4" fill="hold">
+                            <p:stCondLst>
+                              <p:cond delay="0"/>
+                            </p:stCondLst>
+                            <p:childTnLst>
+                              <p:par>
+                                <p:cTn id="5" presetID="1" presetClass="entr" presetSubtype="0" fill="hold" nodeType="clickEffect">
+                                  <p:stCondLst>
+                                    <p:cond delay="0"/>
+                                  </p:stCondLst>
+                                  <p:childTnLst>
+                                    <p:set>
+                                      <p:cBhvr>
+                                        <p:cTn id="6" dur="1" fill="hold">
+                                          <p:stCondLst>
+                                            <p:cond delay="0"/>
+                                          </p:stCondLst>
+                                        </p:cTn>
+                                        <p:tgtEl>
+                                          <p:spTgt spid="3">
+                                            <p:txEl>
+                                              <p:pRg st="0" end="0"/>
+                                            </p:txEl>
+                                          </p:spTgt>
+                                        </p:tgtEl>
+                                        <p:attrNameLst>
+                                          <p:attrName>style.visibility</p:attrName>
+                                        </p:attrNameLst>
+                                      </p:cBhvr>
+                                      <p:to>
+                                        <p:strVal val="visible"/>
+                                      </p:to>
+                                    </p:set>
+                                  </p:childTnLst>
+                                </p:cTn>
+                              </p:par>
+                            </p:childTnLst>
+                          </p:cTn>
+                        </p:par>
+                      </p:childTnLst>
+                    </p:cTn>
+                  </p:par>
+                  <p:par>
+                    <p:cTn id="7" fill="hold">
+                      <p:stCondLst>
+                        <p:cond delay="indefinite"/>
+                      </p:stCondLst>
+                      <p:childTnLst>
+                        <p:par>
+                          <p:cTn id="8" fill="hold">
+                            <p:stCondLst>
+                              <p:cond delay="0"/>
+                            </p:stCondLst>
+                            <p:childTnLst>
+                              <p:par>
+                                <p:cTn id="9" presetID="1" presetClass="entr" presetSubtype="0" fill="hold" nodeType="clickEffect">
+                                  <p:stCondLst>
+                                    <p:cond delay="0"/>
+                                  </p:stCondLst>
+                                  <p:childTnLst>
+                                    <p:set>
+                                      <p:cBhvr>
+                                        <p:cTn id="10" dur="1" fill="hold">
+                                          <p:stCondLst>
+                                            <p:cond delay="0"/>
+                                          </p:stCondLst>
+                                        </p:cTn>
+                                        <p:tgtEl>
+                                          <p:spTgt spid="3">
+                                            <p:txEl>
+                                              <p:pRg st="1" end="1"/>
+                                            </p:txEl>
+                                          </p:spTgt>
+                                        </p:tgtEl>
+                                        <p:attrNameLst>
+                                          <p:attrName>style.visibility</p:attrName>
+                                        </p:attrNameLst>
+                                      </p:cBhvr>
+                                      <p:to>
+                                        <p:strVal val="visible"/>
+                                      </p:to>
+                                    </p:set>
+                                  </p:childTnLst>
+                                </p:cTn>
+                              </p:par>
+                            </p:childTnLst>
+                          </p:cTn>
+                        </p:par>
+                      </p:childTnLst>
+                    </p:cTn>
+                  </p:par>
+                  <p:par>
+                    <p:cTn id="11" fill="hold">
+                      <p:stCondLst>
+                        <p:cond delay="indefinite"/>
+                      </p:stCondLst>
+                      <p:childTnLst>
+                        <p:par>
+                          <p:cTn id="12" fill="hold">
+                            <p:stCondLst>
+                              <p:cond delay="0"/>
+                            </p:stCondLst>
+                            <p:childTnLst>
+                              <p:par>
+                                <p:cTn id="13" presetID="1" presetClass="entr" presetSubtype="0" fill="hold" nodeType="clickEffect">
+                                  <p:stCondLst>
+                                    <p:cond delay="0"/>
+                                  </p:stCondLst>
+                                  <p:childTnLst>
+                                    <p:set>
+                                      <p:cBhvr>
+                                        <p:cTn id="14" dur="1" fill="hold">
+                                          <p:stCondLst>
+                                            <p:cond delay="0"/>
+                                          </p:stCondLst>
+                                        </p:cTn>
+                                        <p:tgtEl>
+                                          <p:spTgt spid="3">
+                                            <p:txEl>
+                                              <p:pRg st="2" end="2"/>
+                                            </p:txEl>
+                                          </p:spTgt>
+                                        </p:tgtEl>
+                                        <p:attrNameLst>
+                                          <p:attrName>style.visibility</p:attrName>
+                                        </p:attrNameLst>
+                                      </p:cBhvr>
+                                      <p:to>
+                                        <p:strVal val="visible"/>
+                                      </p:to>
+                                    </p:set>
+                                  </p:childTnLst>
+                                </p:cTn>
+                              </p:par>
+                            </p:childTnLst>
+                          </p:cTn>
+                        </p:par>
+                      </p:childTnLst>
+                    </p:cTn>
+                  </p:par>
+                  <p:par>
+                    <p:cTn id="15" fill="hold">
+                      <p:stCondLst>
+                        <p:cond delay="indefinite"/>
+                      </p:stCondLst>
+                      <p:childTnLst>
+                        <p:par>
+                          <p:cTn id="16" fill="hold">
+                            <p:stCondLst>
+                              <p:cond delay="0"/>
+                            </p:stCondLst>
+                            <p:childTnLst>
+                              <p:par>
+                                <p:cTn id="17" presetID="1" presetClass="entr" presetSubtype="0" fill="hold" nodeType="clickEffect">
+                                  <p:stCondLst>
+                                    <p:cond delay="0"/>
+                                  </p:stCondLst>
+                                  <p:childTnLst>
+                                    <p:set>
+                                      <p:cBhvr>
+                                        <p:cTn id="18" dur="1" fill="hold">
+                                          <p:stCondLst>
+                                            <p:cond delay="0"/>
+                                          </p:stCondLst>
+                                        </p:cTn>
+                                        <p:tgtEl>
+                                          <p:spTgt spid="3">
+                                            <p:txEl>
+                                              <p:pRg st="3" end="3"/>
+                                            </p:txEl>
+                                          </p:spTgt>
+                                        </p:tgtEl>
+                                        <p:attrNameLst>
+                                          <p:attrName>style.visibility</p:attrName>
+                                        </p:attrNameLst>
+                                      </p:cBhvr>
+                                      <p:to>
+                                        <p:strVal val="visible"/>
+                                      </p:to>
+                                    </p:set>
+                                  </p:childTnLst>
+                                </p:cTn>
+                              </p:par>
+                            </p:childTnLst>
+                          </p:cTn>
+                        </p:par>
+                      </p:childTnLst>
+                    </p:cTn>
+                  </p:par>
+                  <p:par>
+                    <p:cTn id="19" fill="hold">
+                      <p:stCondLst>
+                        <p:cond delay="indefinite"/>
+                      </p:stCondLst>
+                      <p:childTnLst>
+                        <p:par>
+                          <p:cTn id="20" fill="hold">
+                            <p:stCondLst>
+                              <p:cond delay="0"/>
+                            </p:stCondLst>
+                            <p:childTnLst>
+                              <p:par>
+                                <p:cTn id="21" presetID="1" presetClass="entr" presetSubtype="0" fill="hold" nodeType="clickEffect">
+                                  <p:stCondLst>
+                                    <p:cond delay="0"/>
+                                  </p:stCondLst>
+                                  <p:childTnLst>
+                                    <p:set>
+                                      <p:cBhvr>
+                                        <p:cTn id="22" dur="1" fill="hold">
+                                          <p:stCondLst>
+                                            <p:cond delay="0"/>
+                                          </p:stCondLst>
+                                        </p:cTn>
+                                        <p:tgtEl>
+                                          <p:spTgt spid="3">
+                                            <p:txEl>
+                                              <p:pRg st="4" end="4"/>
+                                            </p:txEl>
+                                          </p:spTgt>
+                                        </p:tgtEl>
+                                        <p:attrNameLst>
+                                          <p:attrName>style.visibility</p:attrName>
+                                        </p:attrNameLst>
+                                      </p:cBhvr>
+                                      <p:to>
+                                        <p:strVal val="visible"/>
+                                      </p:to>
+                                    </p:set>
+                                  </p:childTnLst>
+                                </p:cTn>
+                              </p:par>
+                            </p:childTnLst>
+                          </p:cTn>
+                        </p:par>
+                      </p:childTnLst>
+                    </p:cTn>
+                  </p:par>
+                  <p:par>
+                    <p:cTn id="23" fill="hold">
+                      <p:stCondLst>
+                        <p:cond delay="indefinite"/>
+                      </p:stCondLst>
+                      <p:childTnLst>
+                        <p:par>
+                          <p:cTn id="24" fill="hold">
+                            <p:stCondLst>
+                              <p:cond delay="0"/>
+                            </p:stCondLst>
+                            <p:childTnLst>
+                              <p:par>
+                                <p:cTn id="25" presetID="1" presetClass="entr" presetSubtype="0" fill="hold" nodeType="clickEffect">
+                                  <p:stCondLst>
+                                    <p:cond delay="0"/>
+                                  </p:stCondLst>
+                                  <p:childTnLst>
+                                    <p:set>
+                                      <p:cBhvr>
+                                        <p:cTn id="26" dur="1" fill="hold">
+                                          <p:stCondLst>
+                                            <p:cond delay="0"/>
+                                          </p:stCondLst>
+                                        </p:cTn>
+                                        <p:tgtEl>
+                                          <p:spTgt spid="3">
+                                            <p:txEl>
+                                              <p:pRg st="5" end="5"/>
+                                            </p:txEl>
+                                          </p:spTgt>
+                                        </p:tgtEl>
+                                        <p:attrNameLst>
+                                          <p:attrName>style.visibility</p:attrName>
+                                        </p:attrNameLst>
+                                      </p:cBhvr>
+                                      <p:to>
+                                        <p:strVal val="visible"/>
+                                      </p:to>
+                                    </p:set>
+                                  </p:childTnLst>
+                                </p:cTn>
+                              </p:par>
+                            </p:childTnLst>
+                          </p:cTn>
+                        </p:par>
+                      </p:childTnLst>
+                    </p:cTn>
+                  </p:par>
+                  <p:par>
+                    <p:cTn id="27" fill="hold">
+                      <p:stCondLst>
+                        <p:cond delay="indefinite"/>
+                      </p:stCondLst>
+                      <p:childTnLst>
+                        <p:par>
+                          <p:cTn id="28" fill="hold">
+                            <p:stCondLst>
+                              <p:cond delay="0"/>
+                            </p:stCondLst>
+                            <p:childTnLst>
+                              <p:par>
+                                <p:cTn id="29" presetID="1" presetClass="entr" presetSubtype="0" fill="hold" nodeType="clickEffect">
+                                  <p:stCondLst>
+                                    <p:cond delay="0"/>
+                                  </p:stCondLst>
+                                  <p:childTnLst>
+                                    <p:set>
+                                      <p:cBhvr>
+                                        <p:cTn id="30" dur="1" fill="hold">
+                                          <p:stCondLst>
+                                            <p:cond delay="0"/>
+                                          </p:stCondLst>
+                                        </p:cTn>
+                                        <p:tgtEl>
+                                          <p:spTgt spid="3">
+                                            <p:txEl>
+                                              <p:pRg st="6" end="6"/>
+                                            </p:txEl>
+                                          </p:spTgt>
+                                        </p:tgtEl>
+                                        <p:attrNameLst>
+                                          <p:attrName>style.visibility</p:attrName>
+                                        </p:attrNameLst>
+                                      </p:cBhvr>
+                                      <p:to>
+                                        <p:strVal val="visible"/>
+                                      </p:to>
+                                    </p:set>
+                                  </p:childTnLst>
+                                </p:cTn>
+                              </p:par>
+                            </p:childTnLst>
+                          </p:cTn>
+                        </p:par>
+                      </p:childTnLst>
+                    </p:cTn>
+                  </p:par>
+                  <p:par>
+                    <p:cTn id="31" fill="hold">
+                      <p:stCondLst>
+                        <p:cond delay="indefinite"/>
+                      </p:stCondLst>
+                      <p:childTnLst>
+                        <p:par>
+                          <p:cTn id="32" fill="hold">
+                            <p:stCondLst>
+                              <p:cond delay="0"/>
+                            </p:stCondLst>
+                            <p:childTnLst>
+                              <p:par>
+                                <p:cTn id="33" presetID="1" presetClass="entr" presetSubtype="0" fill="hold" nodeType="clickEffect">
+                                  <p:stCondLst>
+                                    <p:cond delay="0"/>
+                                  </p:stCondLst>
+                                  <p:childTnLst>
+                                    <p:set>
+                                      <p:cBhvr>
+                                        <p:cTn id="34" dur="1" fill="hold">
+                                          <p:stCondLst>
+                                            <p:cond delay="0"/>
+                                          </p:stCondLst>
+                                        </p:cTn>
+                                        <p:tgtEl>
+                                          <p:spTgt spid="3">
+                                            <p:txEl>
+                                              <p:pRg st="7" end="7"/>
+                                            </p:txEl>
+                                          </p:spTgt>
+                                        </p:tgtEl>
+                                        <p:attrNameLst>
+                                          <p:attrName>style.visibility</p:attrName>
+                                        </p:attrNameLst>
+                                      </p:cBhvr>
+                                      <p:to>
+                                        <p:strVal val="visible"/>
+                                      </p:to>
+                                    </p:set>
+                                  </p:childTnLst>
+                                </p:cTn>
+                              </p:par>
+                            </p:childTnLst>
+                          </p:cTn>
+                        </p:par>
+                      </p:childTnLst>
+                    </p:cTn>
+                  </p:par>
+                  <p:par>
+                    <p:cTn id="35" fill="hold">
+                      <p:stCondLst>
+                        <p:cond delay="indefinite"/>
+                      </p:stCondLst>
+                      <p:childTnLst>
+                        <p:par>
+                          <p:cTn id="36" fill="hold">
+                            <p:stCondLst>
+                              <p:cond delay="0"/>
+                            </p:stCondLst>
+                            <p:childTnLst>
+                              <p:par>
+                                <p:cTn id="37" presetID="1" presetClass="entr" presetSubtype="0" fill="hold" nodeType="clickEffect">
+                                  <p:stCondLst>
+                                    <p:cond delay="0"/>
+                                  </p:stCondLst>
+                                  <p:childTnLst>
+                                    <p:set>
+                                      <p:cBhvr>
+                                        <p:cTn id="38" dur="1" fill="hold">
+                                          <p:stCondLst>
+                                            <p:cond delay="0"/>
+                                          </p:stCondLst>
+                                        </p:cTn>
+                                        <p:tgtEl>
+                                          <p:spTgt spid="3">
+                                            <p:txEl>
+                                              <p:pRg st="8" end="8"/>
+                                            </p:txEl>
+                                          </p:spTgt>
+                                        </p:tgtEl>
+                                        <p:attrNameLst>
+                                          <p:attrName>style.visibility</p:attrName>
+                                        </p:attrNameLst>
+                                      </p:cBhvr>
+                                      <p:to>
+                                        <p:strVal val="visible"/>
+                                      </p:to>
+                                    </p:set>
+                                  </p:childTnLst>
+                                </p:cTn>
+                              </p:par>
+                            </p:childTnLst>
+                          </p:cTn>
+                        </p:par>
+                      </p:childTnLst>
+                    </p:cTn>
+                  </p:par>
+                </p:childTnLst>
+              </p:cTn>
+              <p:prevCondLst>
+                <p:cond evt="onPrev" delay="0">
+                  <p:tgtEl>
+                    <p:sldTgt/>
+                  </p:tgtEl>
+                </p:cond>
+              </p:prevCondLst>
+              <p:nextCondLst>
+                <p:cond evt="onNext" delay="0">
+                  <p:tgtEl>
+                    <p:sldTgt/>
+                  </p:tgtEl>
+                </p:cond>
+              </p:nextCondLst>
+            </p:seq>
+          </p:childTnLst>
+        </p:cTn>
+      </p:par>
+    </p:tnLst>
+  </p:timing>
 </p:sld>
 </file>
 
@@ -24285,6 +24872,382 @@
   <p:clrMapOvr>
     <a:masterClrMapping/>
   </p:clrMapOvr>
+  <p:timing>
+    <p:tnLst>
+      <p:par>
+        <p:cTn id="1" dur="indefinite" restart="never" nodeType="tmRoot">
+          <p:childTnLst>
+            <p:seq concurrent="1" nextAc="seek">
+              <p:cTn id="2" dur="indefinite" nodeType="mainSeq">
+                <p:childTnLst>
+                  <p:par>
+                    <p:cTn id="3" fill="hold">
+                      <p:stCondLst>
+                        <p:cond delay="indefinite"/>
+                      </p:stCondLst>
+                      <p:childTnLst>
+                        <p:par>
+                          <p:cTn id="4" fill="hold">
+                            <p:stCondLst>
+                              <p:cond delay="0"/>
+                            </p:stCondLst>
+                            <p:childTnLst>
+                              <p:par>
+                                <p:cTn id="5" presetID="1" presetClass="entr" presetSubtype="0" fill="hold" grpId="0" nodeType="clickEffect">
+                                  <p:stCondLst>
+                                    <p:cond delay="0"/>
+                                  </p:stCondLst>
+                                  <p:childTnLst>
+                                    <p:set>
+                                      <p:cBhvr>
+                                        <p:cTn id="6" dur="1" fill="hold">
+                                          <p:stCondLst>
+                                            <p:cond delay="0"/>
+                                          </p:stCondLst>
+                                        </p:cTn>
+                                        <p:tgtEl>
+                                          <p:spTgt spid="3">
+                                            <p:txEl>
+                                              <p:pRg st="0" end="0"/>
+                                            </p:txEl>
+                                          </p:spTgt>
+                                        </p:tgtEl>
+                                        <p:attrNameLst>
+                                          <p:attrName>style.visibility</p:attrName>
+                                        </p:attrNameLst>
+                                      </p:cBhvr>
+                                      <p:to>
+                                        <p:strVal val="visible"/>
+                                      </p:to>
+                                    </p:set>
+                                  </p:childTnLst>
+                                </p:cTn>
+                              </p:par>
+                            </p:childTnLst>
+                          </p:cTn>
+                        </p:par>
+                      </p:childTnLst>
+                    </p:cTn>
+                  </p:par>
+                  <p:par>
+                    <p:cTn id="7" fill="hold">
+                      <p:stCondLst>
+                        <p:cond delay="indefinite"/>
+                      </p:stCondLst>
+                      <p:childTnLst>
+                        <p:par>
+                          <p:cTn id="8" fill="hold">
+                            <p:stCondLst>
+                              <p:cond delay="0"/>
+                            </p:stCondLst>
+                            <p:childTnLst>
+                              <p:par>
+                                <p:cTn id="9" presetID="1" presetClass="entr" presetSubtype="0" fill="hold" grpId="0" nodeType="clickEffect">
+                                  <p:stCondLst>
+                                    <p:cond delay="0"/>
+                                  </p:stCondLst>
+                                  <p:childTnLst>
+                                    <p:set>
+                                      <p:cBhvr>
+                                        <p:cTn id="10" dur="1" fill="hold">
+                                          <p:stCondLst>
+                                            <p:cond delay="0"/>
+                                          </p:stCondLst>
+                                        </p:cTn>
+                                        <p:tgtEl>
+                                          <p:spTgt spid="3">
+                                            <p:txEl>
+                                              <p:pRg st="1" end="1"/>
+                                            </p:txEl>
+                                          </p:spTgt>
+                                        </p:tgtEl>
+                                        <p:attrNameLst>
+                                          <p:attrName>style.visibility</p:attrName>
+                                        </p:attrNameLst>
+                                      </p:cBhvr>
+                                      <p:to>
+                                        <p:strVal val="visible"/>
+                                      </p:to>
+                                    </p:set>
+                                  </p:childTnLst>
+                                </p:cTn>
+                              </p:par>
+                            </p:childTnLst>
+                          </p:cTn>
+                        </p:par>
+                      </p:childTnLst>
+                    </p:cTn>
+                  </p:par>
+                  <p:par>
+                    <p:cTn id="11" fill="hold">
+                      <p:stCondLst>
+                        <p:cond delay="indefinite"/>
+                      </p:stCondLst>
+                      <p:childTnLst>
+                        <p:par>
+                          <p:cTn id="12" fill="hold">
+                            <p:stCondLst>
+                              <p:cond delay="0"/>
+                            </p:stCondLst>
+                            <p:childTnLst>
+                              <p:par>
+                                <p:cTn id="13" presetID="1" presetClass="entr" presetSubtype="0" fill="hold" grpId="0" nodeType="clickEffect">
+                                  <p:stCondLst>
+                                    <p:cond delay="0"/>
+                                  </p:stCondLst>
+                                  <p:childTnLst>
+                                    <p:set>
+                                      <p:cBhvr>
+                                        <p:cTn id="14" dur="1" fill="hold">
+                                          <p:stCondLst>
+                                            <p:cond delay="0"/>
+                                          </p:stCondLst>
+                                        </p:cTn>
+                                        <p:tgtEl>
+                                          <p:spTgt spid="3">
+                                            <p:txEl>
+                                              <p:pRg st="2" end="2"/>
+                                            </p:txEl>
+                                          </p:spTgt>
+                                        </p:tgtEl>
+                                        <p:attrNameLst>
+                                          <p:attrName>style.visibility</p:attrName>
+                                        </p:attrNameLst>
+                                      </p:cBhvr>
+                                      <p:to>
+                                        <p:strVal val="visible"/>
+                                      </p:to>
+                                    </p:set>
+                                  </p:childTnLst>
+                                </p:cTn>
+                              </p:par>
+                            </p:childTnLst>
+                          </p:cTn>
+                        </p:par>
+                      </p:childTnLst>
+                    </p:cTn>
+                  </p:par>
+                  <p:par>
+                    <p:cTn id="15" fill="hold">
+                      <p:stCondLst>
+                        <p:cond delay="indefinite"/>
+                      </p:stCondLst>
+                      <p:childTnLst>
+                        <p:par>
+                          <p:cTn id="16" fill="hold">
+                            <p:stCondLst>
+                              <p:cond delay="0"/>
+                            </p:stCondLst>
+                            <p:childTnLst>
+                              <p:par>
+                                <p:cTn id="17" presetID="1" presetClass="entr" presetSubtype="0" fill="hold" grpId="0" nodeType="clickEffect">
+                                  <p:stCondLst>
+                                    <p:cond delay="0"/>
+                                  </p:stCondLst>
+                                  <p:childTnLst>
+                                    <p:set>
+                                      <p:cBhvr>
+                                        <p:cTn id="18" dur="1" fill="hold">
+                                          <p:stCondLst>
+                                            <p:cond delay="0"/>
+                                          </p:stCondLst>
+                                        </p:cTn>
+                                        <p:tgtEl>
+                                          <p:spTgt spid="3">
+                                            <p:txEl>
+                                              <p:pRg st="3" end="3"/>
+                                            </p:txEl>
+                                          </p:spTgt>
+                                        </p:tgtEl>
+                                        <p:attrNameLst>
+                                          <p:attrName>style.visibility</p:attrName>
+                                        </p:attrNameLst>
+                                      </p:cBhvr>
+                                      <p:to>
+                                        <p:strVal val="visible"/>
+                                      </p:to>
+                                    </p:set>
+                                  </p:childTnLst>
+                                </p:cTn>
+                              </p:par>
+                            </p:childTnLst>
+                          </p:cTn>
+                        </p:par>
+                      </p:childTnLst>
+                    </p:cTn>
+                  </p:par>
+                  <p:par>
+                    <p:cTn id="19" fill="hold">
+                      <p:stCondLst>
+                        <p:cond delay="indefinite"/>
+                      </p:stCondLst>
+                      <p:childTnLst>
+                        <p:par>
+                          <p:cTn id="20" fill="hold">
+                            <p:stCondLst>
+                              <p:cond delay="0"/>
+                            </p:stCondLst>
+                            <p:childTnLst>
+                              <p:par>
+                                <p:cTn id="21" presetID="1" presetClass="entr" presetSubtype="0" fill="hold" grpId="0" nodeType="clickEffect">
+                                  <p:stCondLst>
+                                    <p:cond delay="0"/>
+                                  </p:stCondLst>
+                                  <p:childTnLst>
+                                    <p:set>
+                                      <p:cBhvr>
+                                        <p:cTn id="22" dur="1" fill="hold">
+                                          <p:stCondLst>
+                                            <p:cond delay="0"/>
+                                          </p:stCondLst>
+                                        </p:cTn>
+                                        <p:tgtEl>
+                                          <p:spTgt spid="3">
+                                            <p:txEl>
+                                              <p:pRg st="4" end="4"/>
+                                            </p:txEl>
+                                          </p:spTgt>
+                                        </p:tgtEl>
+                                        <p:attrNameLst>
+                                          <p:attrName>style.visibility</p:attrName>
+                                        </p:attrNameLst>
+                                      </p:cBhvr>
+                                      <p:to>
+                                        <p:strVal val="visible"/>
+                                      </p:to>
+                                    </p:set>
+                                  </p:childTnLst>
+                                </p:cTn>
+                              </p:par>
+                            </p:childTnLst>
+                          </p:cTn>
+                        </p:par>
+                      </p:childTnLst>
+                    </p:cTn>
+                  </p:par>
+                  <p:par>
+                    <p:cTn id="23" fill="hold">
+                      <p:stCondLst>
+                        <p:cond delay="indefinite"/>
+                      </p:stCondLst>
+                      <p:childTnLst>
+                        <p:par>
+                          <p:cTn id="24" fill="hold">
+                            <p:stCondLst>
+                              <p:cond delay="0"/>
+                            </p:stCondLst>
+                            <p:childTnLst>
+                              <p:par>
+                                <p:cTn id="25" presetID="1" presetClass="entr" presetSubtype="0" fill="hold" grpId="0" nodeType="clickEffect">
+                                  <p:stCondLst>
+                                    <p:cond delay="0"/>
+                                  </p:stCondLst>
+                                  <p:childTnLst>
+                                    <p:set>
+                                      <p:cBhvr>
+                                        <p:cTn id="26" dur="1" fill="hold">
+                                          <p:stCondLst>
+                                            <p:cond delay="0"/>
+                                          </p:stCondLst>
+                                        </p:cTn>
+                                        <p:tgtEl>
+                                          <p:spTgt spid="3">
+                                            <p:txEl>
+                                              <p:pRg st="5" end="5"/>
+                                            </p:txEl>
+                                          </p:spTgt>
+                                        </p:tgtEl>
+                                        <p:attrNameLst>
+                                          <p:attrName>style.visibility</p:attrName>
+                                        </p:attrNameLst>
+                                      </p:cBhvr>
+                                      <p:to>
+                                        <p:strVal val="visible"/>
+                                      </p:to>
+                                    </p:set>
+                                  </p:childTnLst>
+                                </p:cTn>
+                              </p:par>
+                            </p:childTnLst>
+                          </p:cTn>
+                        </p:par>
+                      </p:childTnLst>
+                    </p:cTn>
+                  </p:par>
+                  <p:par>
+                    <p:cTn id="27" fill="hold">
+                      <p:stCondLst>
+                        <p:cond delay="indefinite"/>
+                      </p:stCondLst>
+                      <p:childTnLst>
+                        <p:par>
+                          <p:cTn id="28" fill="hold">
+                            <p:stCondLst>
+                              <p:cond delay="0"/>
+                            </p:stCondLst>
+                            <p:childTnLst>
+                              <p:par>
+                                <p:cTn id="29" presetID="1" presetClass="entr" presetSubtype="0" fill="hold" grpId="0" nodeType="clickEffect">
+                                  <p:stCondLst>
+                                    <p:cond delay="0"/>
+                                  </p:stCondLst>
+                                  <p:childTnLst>
+                                    <p:set>
+                                      <p:cBhvr>
+                                        <p:cTn id="30" dur="1" fill="hold">
+                                          <p:stCondLst>
+                                            <p:cond delay="0"/>
+                                          </p:stCondLst>
+                                        </p:cTn>
+                                        <p:tgtEl>
+                                          <p:spTgt spid="3">
+                                            <p:txEl>
+                                              <p:pRg st="6" end="6"/>
+                                            </p:txEl>
+                                          </p:spTgt>
+                                        </p:tgtEl>
+                                        <p:attrNameLst>
+                                          <p:attrName>style.visibility</p:attrName>
+                                        </p:attrNameLst>
+                                      </p:cBhvr>
+                                      <p:to>
+                                        <p:strVal val="visible"/>
+                                      </p:to>
+                                    </p:set>
+                                  </p:childTnLst>
+                                </p:cTn>
+                              </p:par>
+                            </p:childTnLst>
+                          </p:cTn>
+                        </p:par>
+                      </p:childTnLst>
+                    </p:cTn>
+                  </p:par>
+                </p:childTnLst>
+              </p:cTn>
+              <p:prevCondLst>
+                <p:cond evt="onPrev" delay="0">
+                  <p:tgtEl>
+                    <p:sldTgt/>
+                  </p:tgtEl>
+                </p:cond>
+              </p:prevCondLst>
+              <p:nextCondLst>
+                <p:cond evt="onNext" delay="0">
+                  <p:tgtEl>
+                    <p:sldTgt/>
+                  </p:tgtEl>
+                </p:cond>
+              </p:nextCondLst>
+            </p:seq>
+          </p:childTnLst>
+        </p:cTn>
+      </p:par>
+    </p:tnLst>
+    <p:bldLst>
+      <p:bldP spid="3" grpId="0" build="p"/>
+    </p:bldLst>
+  </p:timing>
 </p:sld>
 </file>
 
@@ -24784,6 +25747,346 @@
   <p:clrMapOvr>
     <a:masterClrMapping/>
   </p:clrMapOvr>
+  <p:timing>
+    <p:tnLst>
+      <p:par>
+        <p:cTn id="1" dur="indefinite" restart="never" nodeType="tmRoot">
+          <p:childTnLst>
+            <p:seq concurrent="1" nextAc="seek">
+              <p:cTn id="2" dur="indefinite" nodeType="mainSeq">
+                <p:childTnLst>
+                  <p:par>
+                    <p:cTn id="3" fill="hold">
+                      <p:stCondLst>
+                        <p:cond delay="indefinite"/>
+                      </p:stCondLst>
+                      <p:childTnLst>
+                        <p:par>
+                          <p:cTn id="4" fill="hold">
+                            <p:stCondLst>
+                              <p:cond delay="0"/>
+                            </p:stCondLst>
+                            <p:childTnLst>
+                              <p:par>
+                                <p:cTn id="5" presetID="1" presetClass="entr" presetSubtype="0" fill="hold" grpId="0" nodeType="clickEffect">
+                                  <p:stCondLst>
+                                    <p:cond delay="0"/>
+                                  </p:stCondLst>
+                                  <p:childTnLst>
+                                    <p:set>
+                                      <p:cBhvr>
+                                        <p:cTn id="6" dur="1" fill="hold">
+                                          <p:stCondLst>
+                                            <p:cond delay="0"/>
+                                          </p:stCondLst>
+                                        </p:cTn>
+                                        <p:tgtEl>
+                                          <p:spTgt spid="3">
+                                            <p:txEl>
+                                              <p:pRg st="0" end="0"/>
+                                            </p:txEl>
+                                          </p:spTgt>
+                                        </p:tgtEl>
+                                        <p:attrNameLst>
+                                          <p:attrName>style.visibility</p:attrName>
+                                        </p:attrNameLst>
+                                      </p:cBhvr>
+                                      <p:to>
+                                        <p:strVal val="visible"/>
+                                      </p:to>
+                                    </p:set>
+                                  </p:childTnLst>
+                                </p:cTn>
+                              </p:par>
+                            </p:childTnLst>
+                          </p:cTn>
+                        </p:par>
+                      </p:childTnLst>
+                    </p:cTn>
+                  </p:par>
+                  <p:par>
+                    <p:cTn id="7" fill="hold">
+                      <p:stCondLst>
+                        <p:cond delay="indefinite"/>
+                      </p:stCondLst>
+                      <p:childTnLst>
+                        <p:par>
+                          <p:cTn id="8" fill="hold">
+                            <p:stCondLst>
+                              <p:cond delay="0"/>
+                            </p:stCondLst>
+                            <p:childTnLst>
+                              <p:par>
+                                <p:cTn id="9" presetID="1" presetClass="entr" presetSubtype="0" fill="hold" grpId="0" nodeType="clickEffect">
+                                  <p:stCondLst>
+                                    <p:cond delay="0"/>
+                                  </p:stCondLst>
+                                  <p:childTnLst>
+                                    <p:set>
+                                      <p:cBhvr>
+                                        <p:cTn id="10" dur="1" fill="hold">
+                                          <p:stCondLst>
+                                            <p:cond delay="0"/>
+                                          </p:stCondLst>
+                                        </p:cTn>
+                                        <p:tgtEl>
+                                          <p:spTgt spid="3">
+                                            <p:txEl>
+                                              <p:pRg st="1" end="1"/>
+                                            </p:txEl>
+                                          </p:spTgt>
+                                        </p:tgtEl>
+                                        <p:attrNameLst>
+                                          <p:attrName>style.visibility</p:attrName>
+                                        </p:attrNameLst>
+                                      </p:cBhvr>
+                                      <p:to>
+                                        <p:strVal val="visible"/>
+                                      </p:to>
+                                    </p:set>
+                                  </p:childTnLst>
+                                </p:cTn>
+                              </p:par>
+                            </p:childTnLst>
+                          </p:cTn>
+                        </p:par>
+                      </p:childTnLst>
+                    </p:cTn>
+                  </p:par>
+                  <p:par>
+                    <p:cTn id="11" fill="hold">
+                      <p:stCondLst>
+                        <p:cond delay="indefinite"/>
+                      </p:stCondLst>
+                      <p:childTnLst>
+                        <p:par>
+                          <p:cTn id="12" fill="hold">
+                            <p:stCondLst>
+                              <p:cond delay="0"/>
+                            </p:stCondLst>
+                            <p:childTnLst>
+                              <p:par>
+                                <p:cTn id="13" presetID="1" presetClass="entr" presetSubtype="0" fill="hold" grpId="0" nodeType="clickEffect">
+                                  <p:stCondLst>
+                                    <p:cond delay="0"/>
+                                  </p:stCondLst>
+                                  <p:childTnLst>
+                                    <p:set>
+                                      <p:cBhvr>
+                                        <p:cTn id="14" dur="1" fill="hold">
+                                          <p:stCondLst>
+                                            <p:cond delay="0"/>
+                                          </p:stCondLst>
+                                        </p:cTn>
+                                        <p:tgtEl>
+                                          <p:spTgt spid="3">
+                                            <p:txEl>
+                                              <p:pRg st="2" end="2"/>
+                                            </p:txEl>
+                                          </p:spTgt>
+                                        </p:tgtEl>
+                                        <p:attrNameLst>
+                                          <p:attrName>style.visibility</p:attrName>
+                                        </p:attrNameLst>
+                                      </p:cBhvr>
+                                      <p:to>
+                                        <p:strVal val="visible"/>
+                                      </p:to>
+                                    </p:set>
+                                  </p:childTnLst>
+                                </p:cTn>
+                              </p:par>
+                            </p:childTnLst>
+                          </p:cTn>
+                        </p:par>
+                      </p:childTnLst>
+                    </p:cTn>
+                  </p:par>
+                  <p:par>
+                    <p:cTn id="15" fill="hold">
+                      <p:stCondLst>
+                        <p:cond delay="indefinite"/>
+                      </p:stCondLst>
+                      <p:childTnLst>
+                        <p:par>
+                          <p:cTn id="16" fill="hold">
+                            <p:stCondLst>
+                              <p:cond delay="0"/>
+                            </p:stCondLst>
+                            <p:childTnLst>
+                              <p:par>
+                                <p:cTn id="17" presetID="1" presetClass="entr" presetSubtype="0" fill="hold" grpId="0" nodeType="clickEffect">
+                                  <p:stCondLst>
+                                    <p:cond delay="0"/>
+                                  </p:stCondLst>
+                                  <p:childTnLst>
+                                    <p:set>
+                                      <p:cBhvr>
+                                        <p:cTn id="18" dur="1" fill="hold">
+                                          <p:stCondLst>
+                                            <p:cond delay="0"/>
+                                          </p:stCondLst>
+                                        </p:cTn>
+                                        <p:tgtEl>
+                                          <p:spTgt spid="3">
+                                            <p:txEl>
+                                              <p:pRg st="3" end="3"/>
+                                            </p:txEl>
+                                          </p:spTgt>
+                                        </p:tgtEl>
+                                        <p:attrNameLst>
+                                          <p:attrName>style.visibility</p:attrName>
+                                        </p:attrNameLst>
+                                      </p:cBhvr>
+                                      <p:to>
+                                        <p:strVal val="visible"/>
+                                      </p:to>
+                                    </p:set>
+                                  </p:childTnLst>
+                                </p:cTn>
+                              </p:par>
+                            </p:childTnLst>
+                          </p:cTn>
+                        </p:par>
+                      </p:childTnLst>
+                    </p:cTn>
+                  </p:par>
+                  <p:par>
+                    <p:cTn id="19" fill="hold">
+                      <p:stCondLst>
+                        <p:cond delay="indefinite"/>
+                      </p:stCondLst>
+                      <p:childTnLst>
+                        <p:par>
+                          <p:cTn id="20" fill="hold">
+                            <p:stCondLst>
+                              <p:cond delay="0"/>
+                            </p:stCondLst>
+                            <p:childTnLst>
+                              <p:par>
+                                <p:cTn id="21" presetID="1" presetClass="entr" presetSubtype="0" fill="hold" grpId="0" nodeType="clickEffect">
+                                  <p:stCondLst>
+                                    <p:cond delay="0"/>
+                                  </p:stCondLst>
+                                  <p:childTnLst>
+                                    <p:set>
+                                      <p:cBhvr>
+                                        <p:cTn id="22" dur="1" fill="hold">
+                                          <p:stCondLst>
+                                            <p:cond delay="0"/>
+                                          </p:stCondLst>
+                                        </p:cTn>
+                                        <p:tgtEl>
+                                          <p:spTgt spid="3">
+                                            <p:txEl>
+                                              <p:pRg st="4" end="4"/>
+                                            </p:txEl>
+                                          </p:spTgt>
+                                        </p:tgtEl>
+                                        <p:attrNameLst>
+                                          <p:attrName>style.visibility</p:attrName>
+                                        </p:attrNameLst>
+                                      </p:cBhvr>
+                                      <p:to>
+                                        <p:strVal val="visible"/>
+                                      </p:to>
+                                    </p:set>
+                                  </p:childTnLst>
+                                </p:cTn>
+                              </p:par>
+                              <p:par>
+                                <p:cTn id="23" presetID="1" presetClass="entr" presetSubtype="0" fill="hold" grpId="0" nodeType="withEffect">
+                                  <p:stCondLst>
+                                    <p:cond delay="0"/>
+                                  </p:stCondLst>
+                                  <p:childTnLst>
+                                    <p:set>
+                                      <p:cBhvr>
+                                        <p:cTn id="24" dur="1" fill="hold">
+                                          <p:stCondLst>
+                                            <p:cond delay="0"/>
+                                          </p:stCondLst>
+                                        </p:cTn>
+                                        <p:tgtEl>
+                                          <p:spTgt spid="3">
+                                            <p:txEl>
+                                              <p:pRg st="5" end="5"/>
+                                            </p:txEl>
+                                          </p:spTgt>
+                                        </p:tgtEl>
+                                        <p:attrNameLst>
+                                          <p:attrName>style.visibility</p:attrName>
+                                        </p:attrNameLst>
+                                      </p:cBhvr>
+                                      <p:to>
+                                        <p:strVal val="visible"/>
+                                      </p:to>
+                                    </p:set>
+                                  </p:childTnLst>
+                                </p:cTn>
+                              </p:par>
+                              <p:par>
+                                <p:cTn id="25" presetID="1" presetClass="entr" presetSubtype="0" fill="hold" grpId="0" nodeType="withEffect">
+                                  <p:stCondLst>
+                                    <p:cond delay="0"/>
+                                  </p:stCondLst>
+                                  <p:childTnLst>
+                                    <p:set>
+                                      <p:cBhvr>
+                                        <p:cTn id="26" dur="1" fill="hold">
+                                          <p:stCondLst>
+                                            <p:cond delay="0"/>
+                                          </p:stCondLst>
+                                        </p:cTn>
+                                        <p:tgtEl>
+                                          <p:spTgt spid="3">
+                                            <p:txEl>
+                                              <p:pRg st="6" end="6"/>
+                                            </p:txEl>
+                                          </p:spTgt>
+                                        </p:tgtEl>
+                                        <p:attrNameLst>
+                                          <p:attrName>style.visibility</p:attrName>
+                                        </p:attrNameLst>
+                                      </p:cBhvr>
+                                      <p:to>
+                                        <p:strVal val="visible"/>
+                                      </p:to>
+                                    </p:set>
+                                  </p:childTnLst>
+                                </p:cTn>
+                              </p:par>
+                            </p:childTnLst>
+                          </p:cTn>
+                        </p:par>
+                      </p:childTnLst>
+                    </p:cTn>
+                  </p:par>
+                </p:childTnLst>
+              </p:cTn>
+              <p:prevCondLst>
+                <p:cond evt="onPrev" delay="0">
+                  <p:tgtEl>
+                    <p:sldTgt/>
+                  </p:tgtEl>
+                </p:cond>
+              </p:prevCondLst>
+              <p:nextCondLst>
+                <p:cond evt="onNext" delay="0">
+                  <p:tgtEl>
+                    <p:sldTgt/>
+                  </p:tgtEl>
+                </p:cond>
+              </p:nextCondLst>
+            </p:seq>
+          </p:childTnLst>
+        </p:cTn>
+      </p:par>
+    </p:tnLst>
+    <p:bldLst>
+      <p:bldP spid="3" grpId="0" build="p"/>
+    </p:bldLst>
+  </p:timing>
 </p:sld>
 </file>
 
@@ -29063,29 +30366,29 @@
           <a:lstStyle/>
           <a:p>
             <a:r>
-              <a:rPr lang="en-US" sz="2200"/>
+              <a:rPr lang="en-US" sz="2200" dirty="0"/>
               <a:t>With closed-ended questions, the response categories must be </a:t>
             </a:r>
             <a:r>
-              <a:rPr lang="en-US" sz="2200" b="1"/>
+              <a:rPr lang="en-US" sz="2200" b="1" dirty="0"/>
               <a:t>exhaustive</a:t>
             </a:r>
             <a:r>
-              <a:rPr lang="en-US" sz="2200"/>
+              <a:rPr lang="en-US" sz="2200" dirty="0"/>
               <a:t>; all reasonable responses must be included </a:t>
             </a:r>
           </a:p>
           <a:p>
             <a:r>
-              <a:rPr lang="en-US" sz="2200"/>
+              <a:rPr lang="en-US" sz="2200" dirty="0"/>
               <a:t>In addition, response categories must be </a:t>
             </a:r>
             <a:r>
-              <a:rPr lang="en-US" sz="2200" b="1"/>
+              <a:rPr lang="en-US" sz="2200" b="1" dirty="0"/>
               <a:t>mutually-exclusive</a:t>
             </a:r>
             <a:r>
-              <a:rPr lang="en-US" sz="2200"/>
+              <a:rPr lang="en-US" sz="2200" dirty="0"/>
               <a:t>, except in special cases where more than one answer is acceptable (e.g., check all that apply)</a:t>
             </a:r>
           </a:p>
@@ -29340,6 +30643,137 @@
   <p:clrMapOvr>
     <a:masterClrMapping/>
   </p:clrMapOvr>
+  <p:timing>
+    <p:tnLst>
+      <p:par>
+        <p:cTn id="1" dur="indefinite" restart="never" nodeType="tmRoot">
+          <p:childTnLst>
+            <p:seq concurrent="1" nextAc="seek">
+              <p:cTn id="2" dur="indefinite" nodeType="mainSeq">
+                <p:childTnLst>
+                  <p:par>
+                    <p:cTn id="3" fill="hold">
+                      <p:stCondLst>
+                        <p:cond delay="indefinite"/>
+                      </p:stCondLst>
+                      <p:childTnLst>
+                        <p:par>
+                          <p:cTn id="4" fill="hold">
+                            <p:stCondLst>
+                              <p:cond delay="0"/>
+                            </p:stCondLst>
+                            <p:childTnLst>
+                              <p:par>
+                                <p:cTn id="5" presetID="1" presetClass="entr" presetSubtype="0" fill="hold" grpId="0" nodeType="clickEffect">
+                                  <p:stCondLst>
+                                    <p:cond delay="0"/>
+                                  </p:stCondLst>
+                                  <p:childTnLst>
+                                    <p:set>
+                                      <p:cBhvr>
+                                        <p:cTn id="6" dur="1" fill="hold">
+                                          <p:stCondLst>
+                                            <p:cond delay="0"/>
+                                          </p:stCondLst>
+                                        </p:cTn>
+                                        <p:tgtEl>
+                                          <p:spTgt spid="3">
+                                            <p:txEl>
+                                              <p:pRg st="0" end="0"/>
+                                            </p:txEl>
+                                          </p:spTgt>
+                                        </p:tgtEl>
+                                        <p:attrNameLst>
+                                          <p:attrName>style.visibility</p:attrName>
+                                        </p:attrNameLst>
+                                      </p:cBhvr>
+                                      <p:to>
+                                        <p:strVal val="visible"/>
+                                      </p:to>
+                                    </p:set>
+                                  </p:childTnLst>
+                                </p:cTn>
+                              </p:par>
+                            </p:childTnLst>
+                          </p:cTn>
+                        </p:par>
+                      </p:childTnLst>
+                    </p:cTn>
+                  </p:par>
+                  <p:par>
+                    <p:cTn id="7" fill="hold">
+                      <p:stCondLst>
+                        <p:cond delay="indefinite"/>
+                      </p:stCondLst>
+                      <p:childTnLst>
+                        <p:par>
+                          <p:cTn id="8" fill="hold">
+                            <p:stCondLst>
+                              <p:cond delay="0"/>
+                            </p:stCondLst>
+                            <p:childTnLst>
+                              <p:par>
+                                <p:cTn id="9" presetID="1" presetClass="entr" presetSubtype="0" fill="hold" grpId="0" nodeType="clickEffect">
+                                  <p:stCondLst>
+                                    <p:cond delay="0"/>
+                                  </p:stCondLst>
+                                  <p:childTnLst>
+                                    <p:set>
+                                      <p:cBhvr>
+                                        <p:cTn id="10" dur="1" fill="hold">
+                                          <p:stCondLst>
+                                            <p:cond delay="0"/>
+                                          </p:stCondLst>
+                                        </p:cTn>
+                                        <p:tgtEl>
+                                          <p:spTgt spid="3">
+                                            <p:txEl>
+                                              <p:pRg st="1" end="1"/>
+                                            </p:txEl>
+                                          </p:spTgt>
+                                        </p:tgtEl>
+                                        <p:attrNameLst>
+                                          <p:attrName>style.visibility</p:attrName>
+                                        </p:attrNameLst>
+                                      </p:cBhvr>
+                                      <p:to>
+                                        <p:strVal val="visible"/>
+                                      </p:to>
+                                    </p:set>
+                                  </p:childTnLst>
+                                </p:cTn>
+                              </p:par>
+                            </p:childTnLst>
+                          </p:cTn>
+                        </p:par>
+                      </p:childTnLst>
+                    </p:cTn>
+                  </p:par>
+                </p:childTnLst>
+              </p:cTn>
+              <p:prevCondLst>
+                <p:cond evt="onPrev" delay="0">
+                  <p:tgtEl>
+                    <p:sldTgt/>
+                  </p:tgtEl>
+                </p:cond>
+              </p:prevCondLst>
+              <p:nextCondLst>
+                <p:cond evt="onNext" delay="0">
+                  <p:tgtEl>
+                    <p:sldTgt/>
+                  </p:tgtEl>
+                </p:cond>
+              </p:nextCondLst>
+            </p:seq>
+          </p:childTnLst>
+        </p:cTn>
+      </p:par>
+    </p:tnLst>
+    <p:bldLst>
+      <p:bldP spid="3" grpId="0" build="p"/>
+    </p:bldLst>
+  </p:timing>
 </p:sld>
 </file>
 
@@ -31541,20 +32975,20 @@
           <a:lstStyle/>
           <a:p>
             <a:r>
-              <a:rPr lang="en-US" sz="2200"/>
+              <a:rPr lang="en-US" sz="2200" dirty="0"/>
               <a:t>Use simple words </a:t>
             </a:r>
           </a:p>
           <a:p>
             <a:pPr lvl="1"/>
             <a:r>
-              <a:rPr lang="en-US" sz="2200"/>
+              <a:rPr lang="en-US" sz="2200" dirty="0"/>
               <a:t>Language used should be driven by the ability level of the population; err on the side of simplicity </a:t>
             </a:r>
           </a:p>
           <a:p>
             <a:r>
-              <a:rPr lang="en-US" sz="2200"/>
+              <a:rPr lang="en-US" sz="2200" dirty="0"/>
               <a:t>Avoid Ambiguous Word and Questions</a:t>
             </a:r>
           </a:p>
@@ -31702,6 +33136,168 @@
   <p:clrMapOvr>
     <a:masterClrMapping/>
   </p:clrMapOvr>
+  <p:timing>
+    <p:tnLst>
+      <p:par>
+        <p:cTn id="1" dur="indefinite" restart="never" nodeType="tmRoot">
+          <p:childTnLst>
+            <p:seq concurrent="1" nextAc="seek">
+              <p:cTn id="2" dur="indefinite" nodeType="mainSeq">
+                <p:childTnLst>
+                  <p:par>
+                    <p:cTn id="3" fill="hold">
+                      <p:stCondLst>
+                        <p:cond delay="indefinite"/>
+                      </p:stCondLst>
+                      <p:childTnLst>
+                        <p:par>
+                          <p:cTn id="4" fill="hold">
+                            <p:stCondLst>
+                              <p:cond delay="0"/>
+                            </p:stCondLst>
+                            <p:childTnLst>
+                              <p:par>
+                                <p:cTn id="5" presetID="1" presetClass="entr" presetSubtype="0" fill="hold" grpId="0" nodeType="clickEffect">
+                                  <p:stCondLst>
+                                    <p:cond delay="0"/>
+                                  </p:stCondLst>
+                                  <p:childTnLst>
+                                    <p:set>
+                                      <p:cBhvr>
+                                        <p:cTn id="6" dur="1" fill="hold">
+                                          <p:stCondLst>
+                                            <p:cond delay="0"/>
+                                          </p:stCondLst>
+                                        </p:cTn>
+                                        <p:tgtEl>
+                                          <p:spTgt spid="3">
+                                            <p:txEl>
+                                              <p:pRg st="0" end="0"/>
+                                            </p:txEl>
+                                          </p:spTgt>
+                                        </p:tgtEl>
+                                        <p:attrNameLst>
+                                          <p:attrName>style.visibility</p:attrName>
+                                        </p:attrNameLst>
+                                      </p:cBhvr>
+                                      <p:to>
+                                        <p:strVal val="visible"/>
+                                      </p:to>
+                                    </p:set>
+                                  </p:childTnLst>
+                                </p:cTn>
+                              </p:par>
+                              <p:par>
+                                <p:cTn id="7" presetID="1" presetClass="entr" presetSubtype="0" fill="hold" grpId="0" nodeType="withEffect">
+                                  <p:stCondLst>
+                                    <p:cond delay="0"/>
+                                  </p:stCondLst>
+                                  <p:childTnLst>
+                                    <p:set>
+                                      <p:cBhvr>
+                                        <p:cTn id="8" dur="1" fill="hold">
+                                          <p:stCondLst>
+                                            <p:cond delay="0"/>
+                                          </p:stCondLst>
+                                        </p:cTn>
+                                        <p:tgtEl>
+                                          <p:spTgt spid="3">
+                                            <p:txEl>
+                                              <p:pRg st="1" end="1"/>
+                                            </p:txEl>
+                                          </p:spTgt>
+                                        </p:tgtEl>
+                                        <p:attrNameLst>
+                                          <p:attrName>style.visibility</p:attrName>
+                                        </p:attrNameLst>
+                                      </p:cBhvr>
+                                      <p:to>
+                                        <p:strVal val="visible"/>
+                                      </p:to>
+                                    </p:set>
+                                  </p:childTnLst>
+                                </p:cTn>
+                              </p:par>
+                            </p:childTnLst>
+                          </p:cTn>
+                        </p:par>
+                      </p:childTnLst>
+                    </p:cTn>
+                  </p:par>
+                  <p:par>
+                    <p:cTn id="9" fill="hold">
+                      <p:stCondLst>
+                        <p:cond delay="indefinite"/>
+                      </p:stCondLst>
+                      <p:childTnLst>
+                        <p:par>
+                          <p:cTn id="10" fill="hold">
+                            <p:stCondLst>
+                              <p:cond delay="0"/>
+                            </p:stCondLst>
+                            <p:childTnLst>
+                              <p:par>
+                                <p:cTn id="11" presetID="1" presetClass="entr" presetSubtype="0" fill="hold" grpId="0" nodeType="clickEffect">
+                                  <p:stCondLst>
+                                    <p:cond delay="0"/>
+                                  </p:stCondLst>
+                                  <p:childTnLst>
+                                    <p:set>
+                                      <p:cBhvr>
+                                        <p:cTn id="12" dur="1" fill="hold">
+                                          <p:stCondLst>
+                                            <p:cond delay="0"/>
+                                          </p:stCondLst>
+                                        </p:cTn>
+                                        <p:tgtEl>
+                                          <p:spTgt spid="3">
+                                            <p:txEl>
+                                              <p:pRg st="2" end="2"/>
+                                            </p:txEl>
+                                          </p:spTgt>
+                                        </p:tgtEl>
+                                        <p:attrNameLst>
+                                          <p:attrName>style.visibility</p:attrName>
+                                        </p:attrNameLst>
+                                      </p:cBhvr>
+                                      <p:to>
+                                        <p:strVal val="visible"/>
+                                      </p:to>
+                                    </p:set>
+                                  </p:childTnLst>
+                                </p:cTn>
+                              </p:par>
+                            </p:childTnLst>
+                          </p:cTn>
+                        </p:par>
+                      </p:childTnLst>
+                    </p:cTn>
+                  </p:par>
+                </p:childTnLst>
+              </p:cTn>
+              <p:prevCondLst>
+                <p:cond evt="onPrev" delay="0">
+                  <p:tgtEl>
+                    <p:sldTgt/>
+                  </p:tgtEl>
+                </p:cond>
+              </p:prevCondLst>
+              <p:nextCondLst>
+                <p:cond evt="onNext" delay="0">
+                  <p:tgtEl>
+                    <p:sldTgt/>
+                  </p:tgtEl>
+                </p:cond>
+              </p:nextCondLst>
+            </p:seq>
+          </p:childTnLst>
+        </p:cTn>
+      </p:par>
+    </p:tnLst>
+    <p:bldLst>
+      <p:bldP spid="3" grpId="0" build="p"/>
+    </p:bldLst>
+  </p:timing>
 </p:sld>
 </file>
 
@@ -36114,6 +37710,130 @@
   <p:clrMapOvr>
     <a:masterClrMapping/>
   </p:clrMapOvr>
+  <p:timing>
+    <p:tnLst>
+      <p:par>
+        <p:cTn id="1" dur="indefinite" restart="never" nodeType="tmRoot">
+          <p:childTnLst>
+            <p:seq concurrent="1" nextAc="seek">
+              <p:cTn id="2" dur="indefinite" nodeType="mainSeq">
+                <p:childTnLst>
+                  <p:par>
+                    <p:cTn id="3" fill="hold">
+                      <p:stCondLst>
+                        <p:cond delay="indefinite"/>
+                      </p:stCondLst>
+                      <p:childTnLst>
+                        <p:par>
+                          <p:cTn id="4" fill="hold">
+                            <p:stCondLst>
+                              <p:cond delay="0"/>
+                            </p:stCondLst>
+                            <p:childTnLst>
+                              <p:par>
+                                <p:cTn id="5" presetID="1" presetClass="entr" presetSubtype="0" fill="hold" grpId="0" nodeType="clickEffect">
+                                  <p:stCondLst>
+                                    <p:cond delay="0"/>
+                                  </p:stCondLst>
+                                  <p:childTnLst>
+                                    <p:set>
+                                      <p:cBhvr>
+                                        <p:cTn id="6" dur="1" fill="hold">
+                                          <p:stCondLst>
+                                            <p:cond delay="0"/>
+                                          </p:stCondLst>
+                                        </p:cTn>
+                                        <p:tgtEl>
+                                          <p:spTgt spid="6"/>
+                                        </p:tgtEl>
+                                        <p:attrNameLst>
+                                          <p:attrName>style.visibility</p:attrName>
+                                        </p:attrNameLst>
+                                      </p:cBhvr>
+                                      <p:to>
+                                        <p:strVal val="visible"/>
+                                      </p:to>
+                                    </p:set>
+                                  </p:childTnLst>
+                                </p:cTn>
+                              </p:par>
+                            </p:childTnLst>
+                          </p:cTn>
+                        </p:par>
+                      </p:childTnLst>
+                    </p:cTn>
+                  </p:par>
+                  <p:par>
+                    <p:cTn id="7" fill="hold">
+                      <p:stCondLst>
+                        <p:cond delay="indefinite"/>
+                      </p:stCondLst>
+                      <p:childTnLst>
+                        <p:par>
+                          <p:cTn id="8" fill="hold">
+                            <p:stCondLst>
+                              <p:cond delay="0"/>
+                            </p:stCondLst>
+                            <p:childTnLst>
+                              <p:par>
+                                <p:cTn id="9" presetID="1" presetClass="entr" presetSubtype="0" fill="hold" grpId="0" nodeType="clickEffect">
+                                  <p:stCondLst>
+                                    <p:cond delay="0"/>
+                                  </p:stCondLst>
+                                  <p:childTnLst>
+                                    <p:set>
+                                      <p:cBhvr>
+                                        <p:cTn id="10" dur="1" fill="hold">
+                                          <p:stCondLst>
+                                            <p:cond delay="0"/>
+                                          </p:stCondLst>
+                                        </p:cTn>
+                                        <p:tgtEl>
+                                          <p:spTgt spid="7"/>
+                                        </p:tgtEl>
+                                        <p:attrNameLst>
+                                          <p:attrName>style.visibility</p:attrName>
+                                        </p:attrNameLst>
+                                      </p:cBhvr>
+                                      <p:to>
+                                        <p:strVal val="visible"/>
+                                      </p:to>
+                                    </p:set>
+                                  </p:childTnLst>
+                                </p:cTn>
+                              </p:par>
+                            </p:childTnLst>
+                          </p:cTn>
+                        </p:par>
+                      </p:childTnLst>
+                    </p:cTn>
+                  </p:par>
+                </p:childTnLst>
+              </p:cTn>
+              <p:prevCondLst>
+                <p:cond evt="onPrev" delay="0">
+                  <p:tgtEl>
+                    <p:sldTgt/>
+                  </p:tgtEl>
+                </p:cond>
+              </p:prevCondLst>
+              <p:nextCondLst>
+                <p:cond evt="onNext" delay="0">
+                  <p:tgtEl>
+                    <p:sldTgt/>
+                  </p:tgtEl>
+                </p:cond>
+              </p:nextCondLst>
+            </p:seq>
+          </p:childTnLst>
+        </p:cTn>
+      </p:par>
+    </p:tnLst>
+    <p:bldLst>
+      <p:bldP spid="6" grpId="0" animBg="1"/>
+      <p:bldP spid="7" grpId="0" animBg="1"/>
+    </p:bldLst>
+  </p:timing>
 </p:sld>
 </file>
 
@@ -36206,19 +37926,19 @@
           <a:lstStyle/>
           <a:p>
             <a:r>
-              <a:rPr lang="en-US" sz="2000"/>
+              <a:rPr lang="en-US" sz="2000" dirty="0"/>
               <a:t>Avoid Generalizations and Estimates</a:t>
             </a:r>
           </a:p>
           <a:p>
             <a:r>
-              <a:rPr lang="en-US" sz="2000"/>
+              <a:rPr lang="en-US" sz="2000" dirty="0"/>
               <a:t>Questions should always be asked in specific, rather than general terms</a:t>
             </a:r>
           </a:p>
           <a:p>
             <a:r>
-              <a:rPr lang="en-US" sz="2000"/>
+              <a:rPr lang="en-US" sz="2000" dirty="0"/>
               <a:t>When asking about the frequency of behaviors (e.g., shopping, purchase) use an appropriate item frame that doesn’t force respondents to make estimates </a:t>
             </a:r>
           </a:p>
@@ -36509,6 +38229,186 @@
   <p:clrMapOvr>
     <a:masterClrMapping/>
   </p:clrMapOvr>
+  <p:timing>
+    <p:tnLst>
+      <p:par>
+        <p:cTn id="1" dur="indefinite" restart="never" nodeType="tmRoot">
+          <p:childTnLst>
+            <p:seq concurrent="1" nextAc="seek">
+              <p:cTn id="2" dur="indefinite" nodeType="mainSeq">
+                <p:childTnLst>
+                  <p:par>
+                    <p:cTn id="3" fill="hold">
+                      <p:stCondLst>
+                        <p:cond delay="indefinite"/>
+                      </p:stCondLst>
+                      <p:childTnLst>
+                        <p:par>
+                          <p:cTn id="4" fill="hold">
+                            <p:stCondLst>
+                              <p:cond delay="0"/>
+                            </p:stCondLst>
+                            <p:childTnLst>
+                              <p:par>
+                                <p:cTn id="5" presetID="1" presetClass="entr" presetSubtype="0" fill="hold" grpId="0" nodeType="clickEffect">
+                                  <p:stCondLst>
+                                    <p:cond delay="0"/>
+                                  </p:stCondLst>
+                                  <p:childTnLst>
+                                    <p:set>
+                                      <p:cBhvr>
+                                        <p:cTn id="6" dur="1" fill="hold">
+                                          <p:stCondLst>
+                                            <p:cond delay="0"/>
+                                          </p:stCondLst>
+                                        </p:cTn>
+                                        <p:tgtEl>
+                                          <p:spTgt spid="3">
+                                            <p:txEl>
+                                              <p:pRg st="0" end="0"/>
+                                            </p:txEl>
+                                          </p:spTgt>
+                                        </p:tgtEl>
+                                        <p:attrNameLst>
+                                          <p:attrName>style.visibility</p:attrName>
+                                        </p:attrNameLst>
+                                      </p:cBhvr>
+                                      <p:to>
+                                        <p:strVal val="visible"/>
+                                      </p:to>
+                                    </p:set>
+                                  </p:childTnLst>
+                                </p:cTn>
+                              </p:par>
+                            </p:childTnLst>
+                          </p:cTn>
+                        </p:par>
+                      </p:childTnLst>
+                    </p:cTn>
+                  </p:par>
+                  <p:par>
+                    <p:cTn id="7" fill="hold">
+                      <p:stCondLst>
+                        <p:cond delay="indefinite"/>
+                      </p:stCondLst>
+                      <p:childTnLst>
+                        <p:par>
+                          <p:cTn id="8" fill="hold">
+                            <p:stCondLst>
+                              <p:cond delay="0"/>
+                            </p:stCondLst>
+                            <p:childTnLst>
+                              <p:par>
+                                <p:cTn id="9" presetID="1" presetClass="entr" presetSubtype="0" fill="hold" grpId="0" nodeType="clickEffect">
+                                  <p:stCondLst>
+                                    <p:cond delay="0"/>
+                                  </p:stCondLst>
+                                  <p:childTnLst>
+                                    <p:set>
+                                      <p:cBhvr>
+                                        <p:cTn id="10" dur="1" fill="hold">
+                                          <p:stCondLst>
+                                            <p:cond delay="0"/>
+                                          </p:stCondLst>
+                                        </p:cTn>
+                                        <p:tgtEl>
+                                          <p:spTgt spid="3">
+                                            <p:txEl>
+                                              <p:pRg st="1" end="1"/>
+                                            </p:txEl>
+                                          </p:spTgt>
+                                        </p:tgtEl>
+                                        <p:attrNameLst>
+                                          <p:attrName>style.visibility</p:attrName>
+                                        </p:attrNameLst>
+                                      </p:cBhvr>
+                                      <p:to>
+                                        <p:strVal val="visible"/>
+                                      </p:to>
+                                    </p:set>
+                                  </p:childTnLst>
+                                </p:cTn>
+                              </p:par>
+                            </p:childTnLst>
+                          </p:cTn>
+                        </p:par>
+                      </p:childTnLst>
+                    </p:cTn>
+                  </p:par>
+                  <p:par>
+                    <p:cTn id="11" fill="hold">
+                      <p:stCondLst>
+                        <p:cond delay="indefinite"/>
+                      </p:stCondLst>
+                      <p:childTnLst>
+                        <p:par>
+                          <p:cTn id="12" fill="hold">
+                            <p:stCondLst>
+                              <p:cond delay="0"/>
+                            </p:stCondLst>
+                            <p:childTnLst>
+                              <p:par>
+                                <p:cTn id="13" presetID="1" presetClass="entr" presetSubtype="0" fill="hold" grpId="0" nodeType="clickEffect">
+                                  <p:stCondLst>
+                                    <p:cond delay="0"/>
+                                  </p:stCondLst>
+                                  <p:childTnLst>
+                                    <p:set>
+                                      <p:cBhvr>
+                                        <p:cTn id="14" dur="1" fill="hold">
+                                          <p:stCondLst>
+                                            <p:cond delay="0"/>
+                                          </p:stCondLst>
+                                        </p:cTn>
+                                        <p:tgtEl>
+                                          <p:spTgt spid="3">
+                                            <p:txEl>
+                                              <p:pRg st="2" end="2"/>
+                                            </p:txEl>
+                                          </p:spTgt>
+                                        </p:tgtEl>
+                                        <p:attrNameLst>
+                                          <p:attrName>style.visibility</p:attrName>
+                                        </p:attrNameLst>
+                                      </p:cBhvr>
+                                      <p:to>
+                                        <p:strVal val="visible"/>
+                                      </p:to>
+                                    </p:set>
+                                  </p:childTnLst>
+                                </p:cTn>
+                              </p:par>
+                            </p:childTnLst>
+                          </p:cTn>
+                        </p:par>
+                      </p:childTnLst>
+                    </p:cTn>
+                  </p:par>
+                </p:childTnLst>
+              </p:cTn>
+              <p:prevCondLst>
+                <p:cond evt="onPrev" delay="0">
+                  <p:tgtEl>
+                    <p:sldTgt/>
+                  </p:tgtEl>
+                </p:cond>
+              </p:prevCondLst>
+              <p:nextCondLst>
+                <p:cond evt="onNext" delay="0">
+                  <p:tgtEl>
+                    <p:sldTgt/>
+                  </p:tgtEl>
+                </p:cond>
+              </p:nextCondLst>
+            </p:seq>
+          </p:childTnLst>
+        </p:cTn>
+      </p:par>
+    </p:tnLst>
+    <p:bldLst>
+      <p:bldP spid="3" grpId="0" build="p"/>
+    </p:bldLst>
+  </p:timing>
 </p:sld>
 </file>
 
@@ -38230,6 +40130,279 @@
   <p:clrMapOvr>
     <a:masterClrMapping/>
   </p:clrMapOvr>
+  <p:timing>
+    <p:tnLst>
+      <p:par>
+        <p:cTn id="1" dur="indefinite" restart="never" nodeType="tmRoot">
+          <p:childTnLst>
+            <p:seq concurrent="1" nextAc="seek">
+              <p:cTn id="2" dur="indefinite" nodeType="mainSeq">
+                <p:childTnLst>
+                  <p:par>
+                    <p:cTn id="3" fill="hold">
+                      <p:stCondLst>
+                        <p:cond delay="indefinite"/>
+                      </p:stCondLst>
+                      <p:childTnLst>
+                        <p:par>
+                          <p:cTn id="4" fill="hold">
+                            <p:stCondLst>
+                              <p:cond delay="0"/>
+                            </p:stCondLst>
+                            <p:childTnLst>
+                              <p:par>
+                                <p:cTn id="5" presetID="1" presetClass="entr" presetSubtype="0" fill="hold" grpId="0" nodeType="clickEffect">
+                                  <p:stCondLst>
+                                    <p:cond delay="0"/>
+                                  </p:stCondLst>
+                                  <p:childTnLst>
+                                    <p:set>
+                                      <p:cBhvr>
+                                        <p:cTn id="6" dur="1" fill="hold">
+                                          <p:stCondLst>
+                                            <p:cond delay="0"/>
+                                          </p:stCondLst>
+                                        </p:cTn>
+                                        <p:tgtEl>
+                                          <p:spTgt spid="3">
+                                            <p:txEl>
+                                              <p:pRg st="0" end="0"/>
+                                            </p:txEl>
+                                          </p:spTgt>
+                                        </p:tgtEl>
+                                        <p:attrNameLst>
+                                          <p:attrName>style.visibility</p:attrName>
+                                        </p:attrNameLst>
+                                      </p:cBhvr>
+                                      <p:to>
+                                        <p:strVal val="visible"/>
+                                      </p:to>
+                                    </p:set>
+                                  </p:childTnLst>
+                                </p:cTn>
+                              </p:par>
+                            </p:childTnLst>
+                          </p:cTn>
+                        </p:par>
+                      </p:childTnLst>
+                    </p:cTn>
+                  </p:par>
+                  <p:par>
+                    <p:cTn id="7" fill="hold">
+                      <p:stCondLst>
+                        <p:cond delay="indefinite"/>
+                      </p:stCondLst>
+                      <p:childTnLst>
+                        <p:par>
+                          <p:cTn id="8" fill="hold">
+                            <p:stCondLst>
+                              <p:cond delay="0"/>
+                            </p:stCondLst>
+                            <p:childTnLst>
+                              <p:par>
+                                <p:cTn id="9" presetID="1" presetClass="entr" presetSubtype="0" fill="hold" grpId="0" nodeType="clickEffect">
+                                  <p:stCondLst>
+                                    <p:cond delay="0"/>
+                                  </p:stCondLst>
+                                  <p:childTnLst>
+                                    <p:set>
+                                      <p:cBhvr>
+                                        <p:cTn id="10" dur="1" fill="hold">
+                                          <p:stCondLst>
+                                            <p:cond delay="0"/>
+                                          </p:stCondLst>
+                                        </p:cTn>
+                                        <p:tgtEl>
+                                          <p:spTgt spid="3">
+                                            <p:txEl>
+                                              <p:pRg st="1" end="1"/>
+                                            </p:txEl>
+                                          </p:spTgt>
+                                        </p:tgtEl>
+                                        <p:attrNameLst>
+                                          <p:attrName>style.visibility</p:attrName>
+                                        </p:attrNameLst>
+                                      </p:cBhvr>
+                                      <p:to>
+                                        <p:strVal val="visible"/>
+                                      </p:to>
+                                    </p:set>
+                                  </p:childTnLst>
+                                </p:cTn>
+                              </p:par>
+                              <p:par>
+                                <p:cTn id="11" presetID="1" presetClass="entr" presetSubtype="0" fill="hold" grpId="0" nodeType="withEffect">
+                                  <p:stCondLst>
+                                    <p:cond delay="0"/>
+                                  </p:stCondLst>
+                                  <p:childTnLst>
+                                    <p:set>
+                                      <p:cBhvr>
+                                        <p:cTn id="12" dur="1" fill="hold">
+                                          <p:stCondLst>
+                                            <p:cond delay="0"/>
+                                          </p:stCondLst>
+                                        </p:cTn>
+                                        <p:tgtEl>
+                                          <p:spTgt spid="3">
+                                            <p:txEl>
+                                              <p:pRg st="2" end="2"/>
+                                            </p:txEl>
+                                          </p:spTgt>
+                                        </p:tgtEl>
+                                        <p:attrNameLst>
+                                          <p:attrName>style.visibility</p:attrName>
+                                        </p:attrNameLst>
+                                      </p:cBhvr>
+                                      <p:to>
+                                        <p:strVal val="visible"/>
+                                      </p:to>
+                                    </p:set>
+                                  </p:childTnLst>
+                                </p:cTn>
+                              </p:par>
+                              <p:par>
+                                <p:cTn id="13" presetID="1" presetClass="entr" presetSubtype="0" fill="hold" grpId="0" nodeType="withEffect">
+                                  <p:stCondLst>
+                                    <p:cond delay="0"/>
+                                  </p:stCondLst>
+                                  <p:childTnLst>
+                                    <p:set>
+                                      <p:cBhvr>
+                                        <p:cTn id="14" dur="1" fill="hold">
+                                          <p:stCondLst>
+                                            <p:cond delay="0"/>
+                                          </p:stCondLst>
+                                        </p:cTn>
+                                        <p:tgtEl>
+                                          <p:spTgt spid="3">
+                                            <p:txEl>
+                                              <p:pRg st="3" end="3"/>
+                                            </p:txEl>
+                                          </p:spTgt>
+                                        </p:tgtEl>
+                                        <p:attrNameLst>
+                                          <p:attrName>style.visibility</p:attrName>
+                                        </p:attrNameLst>
+                                      </p:cBhvr>
+                                      <p:to>
+                                        <p:strVal val="visible"/>
+                                      </p:to>
+                                    </p:set>
+                                  </p:childTnLst>
+                                </p:cTn>
+                              </p:par>
+                            </p:childTnLst>
+                          </p:cTn>
+                        </p:par>
+                      </p:childTnLst>
+                    </p:cTn>
+                  </p:par>
+                  <p:par>
+                    <p:cTn id="15" fill="hold">
+                      <p:stCondLst>
+                        <p:cond delay="indefinite"/>
+                      </p:stCondLst>
+                      <p:childTnLst>
+                        <p:par>
+                          <p:cTn id="16" fill="hold">
+                            <p:stCondLst>
+                              <p:cond delay="0"/>
+                            </p:stCondLst>
+                            <p:childTnLst>
+                              <p:par>
+                                <p:cTn id="17" presetID="1" presetClass="entr" presetSubtype="0" fill="hold" grpId="0" nodeType="clickEffect">
+                                  <p:stCondLst>
+                                    <p:cond delay="0"/>
+                                  </p:stCondLst>
+                                  <p:childTnLst>
+                                    <p:set>
+                                      <p:cBhvr>
+                                        <p:cTn id="18" dur="1" fill="hold">
+                                          <p:stCondLst>
+                                            <p:cond delay="0"/>
+                                          </p:stCondLst>
+                                        </p:cTn>
+                                        <p:tgtEl>
+                                          <p:spTgt spid="3">
+                                            <p:txEl>
+                                              <p:pRg st="4" end="4"/>
+                                            </p:txEl>
+                                          </p:spTgt>
+                                        </p:tgtEl>
+                                        <p:attrNameLst>
+                                          <p:attrName>style.visibility</p:attrName>
+                                        </p:attrNameLst>
+                                      </p:cBhvr>
+                                      <p:to>
+                                        <p:strVal val="visible"/>
+                                      </p:to>
+                                    </p:set>
+                                  </p:childTnLst>
+                                </p:cTn>
+                              </p:par>
+                              <p:par>
+                                <p:cTn id="19" presetID="1" presetClass="entr" presetSubtype="0" fill="hold" grpId="0" nodeType="withEffect">
+                                  <p:stCondLst>
+                                    <p:cond delay="0"/>
+                                  </p:stCondLst>
+                                  <p:childTnLst>
+                                    <p:set>
+                                      <p:cBhvr>
+                                        <p:cTn id="20" dur="1" fill="hold">
+                                          <p:stCondLst>
+                                            <p:cond delay="0"/>
+                                          </p:stCondLst>
+                                        </p:cTn>
+                                        <p:tgtEl>
+                                          <p:spTgt spid="3">
+                                            <p:txEl>
+                                              <p:pRg st="5" end="5"/>
+                                            </p:txEl>
+                                          </p:spTgt>
+                                        </p:tgtEl>
+                                        <p:attrNameLst>
+                                          <p:attrName>style.visibility</p:attrName>
+                                        </p:attrNameLst>
+                                      </p:cBhvr>
+                                      <p:to>
+                                        <p:strVal val="visible"/>
+                                      </p:to>
+                                    </p:set>
+                                  </p:childTnLst>
+                                </p:cTn>
+                              </p:par>
+                            </p:childTnLst>
+                          </p:cTn>
+                        </p:par>
+                      </p:childTnLst>
+                    </p:cTn>
+                  </p:par>
+                </p:childTnLst>
+              </p:cTn>
+              <p:prevCondLst>
+                <p:cond evt="onPrev" delay="0">
+                  <p:tgtEl>
+                    <p:sldTgt/>
+                  </p:tgtEl>
+                </p:cond>
+              </p:prevCondLst>
+              <p:nextCondLst>
+                <p:cond evt="onNext" delay="0">
+                  <p:tgtEl>
+                    <p:sldTgt/>
+                  </p:tgtEl>
+                </p:cond>
+              </p:nextCondLst>
+            </p:seq>
+          </p:childTnLst>
+        </p:cTn>
+      </p:par>
+    </p:tnLst>
+    <p:bldLst>
+      <p:bldP spid="3" grpId="0" build="p"/>
+    </p:bldLst>
+  </p:timing>
 </p:sld>
 </file>
 
@@ -38866,27 +41039,27 @@
           <a:lstStyle/>
           <a:p>
             <a:r>
-              <a:rPr lang="en-US" sz="2200"/>
+              <a:rPr lang="en-US" sz="2200" dirty="0"/>
               <a:t>Ask for classification information last </a:t>
             </a:r>
           </a:p>
           <a:p>
             <a:pPr lvl="1"/>
             <a:r>
-              <a:rPr lang="en-US" sz="2200"/>
+              <a:rPr lang="en-US" sz="2200" dirty="0"/>
               <a:t>Target info: The basic info that addresses the subject of the study </a:t>
             </a:r>
           </a:p>
           <a:p>
             <a:pPr lvl="1"/>
             <a:r>
-              <a:rPr lang="en-US" sz="2200"/>
+              <a:rPr lang="en-US" sz="2200" dirty="0"/>
               <a:t>Classification info: Information used to classify respondents, typically for demographic breakdowns </a:t>
             </a:r>
           </a:p>
           <a:p>
             <a:r>
-              <a:rPr lang="en-US" sz="2200"/>
+              <a:rPr lang="en-US" sz="2200" dirty="0"/>
               <a:t>Place difficult or sensitive questions late in the questionnaire</a:t>
             </a:r>
           </a:p>
@@ -38988,6 +41161,199 @@
   <p:clrMapOvr>
     <a:masterClrMapping/>
   </p:clrMapOvr>
+  <p:timing>
+    <p:tnLst>
+      <p:par>
+        <p:cTn id="1" dur="indefinite" restart="never" nodeType="tmRoot">
+          <p:childTnLst>
+            <p:seq concurrent="1" nextAc="seek">
+              <p:cTn id="2" dur="indefinite" nodeType="mainSeq">
+                <p:childTnLst>
+                  <p:par>
+                    <p:cTn id="3" fill="hold">
+                      <p:stCondLst>
+                        <p:cond delay="indefinite"/>
+                      </p:stCondLst>
+                      <p:childTnLst>
+                        <p:par>
+                          <p:cTn id="4" fill="hold">
+                            <p:stCondLst>
+                              <p:cond delay="0"/>
+                            </p:stCondLst>
+                            <p:childTnLst>
+                              <p:par>
+                                <p:cTn id="5" presetID="1" presetClass="entr" presetSubtype="0" fill="hold" grpId="0" nodeType="clickEffect">
+                                  <p:stCondLst>
+                                    <p:cond delay="0"/>
+                                  </p:stCondLst>
+                                  <p:childTnLst>
+                                    <p:set>
+                                      <p:cBhvr>
+                                        <p:cTn id="6" dur="1" fill="hold">
+                                          <p:stCondLst>
+                                            <p:cond delay="0"/>
+                                          </p:stCondLst>
+                                        </p:cTn>
+                                        <p:tgtEl>
+                                          <p:spTgt spid="3">
+                                            <p:txEl>
+                                              <p:pRg st="0" end="0"/>
+                                            </p:txEl>
+                                          </p:spTgt>
+                                        </p:tgtEl>
+                                        <p:attrNameLst>
+                                          <p:attrName>style.visibility</p:attrName>
+                                        </p:attrNameLst>
+                                      </p:cBhvr>
+                                      <p:to>
+                                        <p:strVal val="visible"/>
+                                      </p:to>
+                                    </p:set>
+                                  </p:childTnLst>
+                                </p:cTn>
+                              </p:par>
+                              <p:par>
+                                <p:cTn id="7" presetID="1" presetClass="entr" presetSubtype="0" fill="hold" grpId="0" nodeType="withEffect">
+                                  <p:stCondLst>
+                                    <p:cond delay="0"/>
+                                  </p:stCondLst>
+                                  <p:childTnLst>
+                                    <p:set>
+                                      <p:cBhvr>
+                                        <p:cTn id="8" dur="1" fill="hold">
+                                          <p:stCondLst>
+                                            <p:cond delay="0"/>
+                                          </p:stCondLst>
+                                        </p:cTn>
+                                        <p:tgtEl>
+                                          <p:spTgt spid="3">
+                                            <p:txEl>
+                                              <p:pRg st="1" end="1"/>
+                                            </p:txEl>
+                                          </p:spTgt>
+                                        </p:tgtEl>
+                                        <p:attrNameLst>
+                                          <p:attrName>style.visibility</p:attrName>
+                                        </p:attrNameLst>
+                                      </p:cBhvr>
+                                      <p:to>
+                                        <p:strVal val="visible"/>
+                                      </p:to>
+                                    </p:set>
+                                  </p:childTnLst>
+                                </p:cTn>
+                              </p:par>
+                              <p:par>
+                                <p:cTn id="9" presetID="1" presetClass="entr" presetSubtype="0" fill="hold" grpId="0" nodeType="withEffect">
+                                  <p:stCondLst>
+                                    <p:cond delay="0"/>
+                                  </p:stCondLst>
+                                  <p:childTnLst>
+                                    <p:set>
+                                      <p:cBhvr>
+                                        <p:cTn id="10" dur="1" fill="hold">
+                                          <p:stCondLst>
+                                            <p:cond delay="0"/>
+                                          </p:stCondLst>
+                                        </p:cTn>
+                                        <p:tgtEl>
+                                          <p:spTgt spid="3">
+                                            <p:txEl>
+                                              <p:pRg st="2" end="2"/>
+                                            </p:txEl>
+                                          </p:spTgt>
+                                        </p:tgtEl>
+                                        <p:attrNameLst>
+                                          <p:attrName>style.visibility</p:attrName>
+                                        </p:attrNameLst>
+                                      </p:cBhvr>
+                                      <p:to>
+                                        <p:strVal val="visible"/>
+                                      </p:to>
+                                    </p:set>
+                                  </p:childTnLst>
+                                </p:cTn>
+                              </p:par>
+                            </p:childTnLst>
+                          </p:cTn>
+                        </p:par>
+                      </p:childTnLst>
+                    </p:cTn>
+                  </p:par>
+                  <p:par>
+                    <p:cTn id="11" fill="hold">
+                      <p:stCondLst>
+                        <p:cond delay="indefinite"/>
+                      </p:stCondLst>
+                      <p:childTnLst>
+                        <p:par>
+                          <p:cTn id="12" fill="hold">
+                            <p:stCondLst>
+                              <p:cond delay="0"/>
+                            </p:stCondLst>
+                            <p:childTnLst>
+                              <p:par>
+                                <p:cTn id="13" presetID="1" presetClass="entr" presetSubtype="0" fill="hold" grpId="0" nodeType="clickEffect">
+                                  <p:stCondLst>
+                                    <p:cond delay="0"/>
+                                  </p:stCondLst>
+                                  <p:childTnLst>
+                                    <p:set>
+                                      <p:cBhvr>
+                                        <p:cTn id="14" dur="1" fill="hold">
+                                          <p:stCondLst>
+                                            <p:cond delay="0"/>
+                                          </p:stCondLst>
+                                        </p:cTn>
+                                        <p:tgtEl>
+                                          <p:spTgt spid="3">
+                                            <p:txEl>
+                                              <p:pRg st="3" end="3"/>
+                                            </p:txEl>
+                                          </p:spTgt>
+                                        </p:tgtEl>
+                                        <p:attrNameLst>
+                                          <p:attrName>style.visibility</p:attrName>
+                                        </p:attrNameLst>
+                                      </p:cBhvr>
+                                      <p:to>
+                                        <p:strVal val="visible"/>
+                                      </p:to>
+                                    </p:set>
+                                  </p:childTnLst>
+                                </p:cTn>
+                              </p:par>
+                            </p:childTnLst>
+                          </p:cTn>
+                        </p:par>
+                      </p:childTnLst>
+                    </p:cTn>
+                  </p:par>
+                </p:childTnLst>
+              </p:cTn>
+              <p:prevCondLst>
+                <p:cond evt="onPrev" delay="0">
+                  <p:tgtEl>
+                    <p:sldTgt/>
+                  </p:tgtEl>
+                </p:cond>
+              </p:prevCondLst>
+              <p:nextCondLst>
+                <p:cond evt="onNext" delay="0">
+                  <p:tgtEl>
+                    <p:sldTgt/>
+                  </p:tgtEl>
+                </p:cond>
+              </p:nextCondLst>
+            </p:seq>
+          </p:childTnLst>
+        </p:cTn>
+      </p:par>
+    </p:tnLst>
+    <p:bldLst>
+      <p:bldP spid="3" grpId="0" build="p"/>
+    </p:bldLst>
+  </p:timing>
 </p:sld>
 </file>
 
@@ -39175,6 +41541,413 @@
   <p:clrMapOvr>
     <a:masterClrMapping/>
   </p:clrMapOvr>
+  <p:timing>
+    <p:tnLst>
+      <p:par>
+        <p:cTn id="1" dur="indefinite" restart="never" nodeType="tmRoot">
+          <p:childTnLst>
+            <p:seq concurrent="1" nextAc="seek">
+              <p:cTn id="2" dur="indefinite" nodeType="mainSeq">
+                <p:childTnLst>
+                  <p:par>
+                    <p:cTn id="3" fill="hold">
+                      <p:stCondLst>
+                        <p:cond delay="indefinite"/>
+                      </p:stCondLst>
+                      <p:childTnLst>
+                        <p:par>
+                          <p:cTn id="4" fill="hold">
+                            <p:stCondLst>
+                              <p:cond delay="0"/>
+                            </p:stCondLst>
+                            <p:childTnLst>
+                              <p:par>
+                                <p:cTn id="5" presetID="1" presetClass="entr" presetSubtype="0" fill="hold" grpId="0" nodeType="clickEffect">
+                                  <p:stCondLst>
+                                    <p:cond delay="0"/>
+                                  </p:stCondLst>
+                                  <p:childTnLst>
+                                    <p:set>
+                                      <p:cBhvr>
+                                        <p:cTn id="6" dur="1" fill="hold">
+                                          <p:stCondLst>
+                                            <p:cond delay="0"/>
+                                          </p:stCondLst>
+                                        </p:cTn>
+                                        <p:tgtEl>
+                                          <p:spTgt spid="3">
+                                            <p:txEl>
+                                              <p:pRg st="0" end="0"/>
+                                            </p:txEl>
+                                          </p:spTgt>
+                                        </p:tgtEl>
+                                        <p:attrNameLst>
+                                          <p:attrName>style.visibility</p:attrName>
+                                        </p:attrNameLst>
+                                      </p:cBhvr>
+                                      <p:to>
+                                        <p:strVal val="visible"/>
+                                      </p:to>
+                                    </p:set>
+                                  </p:childTnLst>
+                                </p:cTn>
+                              </p:par>
+                            </p:childTnLst>
+                          </p:cTn>
+                        </p:par>
+                      </p:childTnLst>
+                    </p:cTn>
+                  </p:par>
+                  <p:par>
+                    <p:cTn id="7" fill="hold">
+                      <p:stCondLst>
+                        <p:cond delay="indefinite"/>
+                      </p:stCondLst>
+                      <p:childTnLst>
+                        <p:par>
+                          <p:cTn id="8" fill="hold">
+                            <p:stCondLst>
+                              <p:cond delay="0"/>
+                            </p:stCondLst>
+                            <p:childTnLst>
+                              <p:par>
+                                <p:cTn id="9" presetID="1" presetClass="entr" presetSubtype="0" fill="hold" grpId="0" nodeType="clickEffect">
+                                  <p:stCondLst>
+                                    <p:cond delay="0"/>
+                                  </p:stCondLst>
+                                  <p:childTnLst>
+                                    <p:set>
+                                      <p:cBhvr>
+                                        <p:cTn id="10" dur="1" fill="hold">
+                                          <p:stCondLst>
+                                            <p:cond delay="0"/>
+                                          </p:stCondLst>
+                                        </p:cTn>
+                                        <p:tgtEl>
+                                          <p:spTgt spid="3">
+                                            <p:txEl>
+                                              <p:pRg st="1" end="1"/>
+                                            </p:txEl>
+                                          </p:spTgt>
+                                        </p:tgtEl>
+                                        <p:attrNameLst>
+                                          <p:attrName>style.visibility</p:attrName>
+                                        </p:attrNameLst>
+                                      </p:cBhvr>
+                                      <p:to>
+                                        <p:strVal val="visible"/>
+                                      </p:to>
+                                    </p:set>
+                                  </p:childTnLst>
+                                </p:cTn>
+                              </p:par>
+                            </p:childTnLst>
+                          </p:cTn>
+                        </p:par>
+                      </p:childTnLst>
+                    </p:cTn>
+                  </p:par>
+                  <p:par>
+                    <p:cTn id="11" fill="hold">
+                      <p:stCondLst>
+                        <p:cond delay="indefinite"/>
+                      </p:stCondLst>
+                      <p:childTnLst>
+                        <p:par>
+                          <p:cTn id="12" fill="hold">
+                            <p:stCondLst>
+                              <p:cond delay="0"/>
+                            </p:stCondLst>
+                            <p:childTnLst>
+                              <p:par>
+                                <p:cTn id="13" presetID="1" presetClass="entr" presetSubtype="0" fill="hold" grpId="0" nodeType="clickEffect">
+                                  <p:stCondLst>
+                                    <p:cond delay="0"/>
+                                  </p:stCondLst>
+                                  <p:childTnLst>
+                                    <p:set>
+                                      <p:cBhvr>
+                                        <p:cTn id="14" dur="1" fill="hold">
+                                          <p:stCondLst>
+                                            <p:cond delay="0"/>
+                                          </p:stCondLst>
+                                        </p:cTn>
+                                        <p:tgtEl>
+                                          <p:spTgt spid="3">
+                                            <p:txEl>
+                                              <p:pRg st="2" end="2"/>
+                                            </p:txEl>
+                                          </p:spTgt>
+                                        </p:tgtEl>
+                                        <p:attrNameLst>
+                                          <p:attrName>style.visibility</p:attrName>
+                                        </p:attrNameLst>
+                                      </p:cBhvr>
+                                      <p:to>
+                                        <p:strVal val="visible"/>
+                                      </p:to>
+                                    </p:set>
+                                  </p:childTnLst>
+                                </p:cTn>
+                              </p:par>
+                            </p:childTnLst>
+                          </p:cTn>
+                        </p:par>
+                      </p:childTnLst>
+                    </p:cTn>
+                  </p:par>
+                  <p:par>
+                    <p:cTn id="15" fill="hold">
+                      <p:stCondLst>
+                        <p:cond delay="indefinite"/>
+                      </p:stCondLst>
+                      <p:childTnLst>
+                        <p:par>
+                          <p:cTn id="16" fill="hold">
+                            <p:stCondLst>
+                              <p:cond delay="0"/>
+                            </p:stCondLst>
+                            <p:childTnLst>
+                              <p:par>
+                                <p:cTn id="17" presetID="1" presetClass="entr" presetSubtype="0" fill="hold" grpId="0" nodeType="clickEffect">
+                                  <p:stCondLst>
+                                    <p:cond delay="0"/>
+                                  </p:stCondLst>
+                                  <p:childTnLst>
+                                    <p:set>
+                                      <p:cBhvr>
+                                        <p:cTn id="18" dur="1" fill="hold">
+                                          <p:stCondLst>
+                                            <p:cond delay="0"/>
+                                          </p:stCondLst>
+                                        </p:cTn>
+                                        <p:tgtEl>
+                                          <p:spTgt spid="3">
+                                            <p:txEl>
+                                              <p:pRg st="3" end="3"/>
+                                            </p:txEl>
+                                          </p:spTgt>
+                                        </p:tgtEl>
+                                        <p:attrNameLst>
+                                          <p:attrName>style.visibility</p:attrName>
+                                        </p:attrNameLst>
+                                      </p:cBhvr>
+                                      <p:to>
+                                        <p:strVal val="visible"/>
+                                      </p:to>
+                                    </p:set>
+                                  </p:childTnLst>
+                                </p:cTn>
+                              </p:par>
+                            </p:childTnLst>
+                          </p:cTn>
+                        </p:par>
+                      </p:childTnLst>
+                    </p:cTn>
+                  </p:par>
+                  <p:par>
+                    <p:cTn id="19" fill="hold">
+                      <p:stCondLst>
+                        <p:cond delay="indefinite"/>
+                      </p:stCondLst>
+                      <p:childTnLst>
+                        <p:par>
+                          <p:cTn id="20" fill="hold">
+                            <p:stCondLst>
+                              <p:cond delay="0"/>
+                            </p:stCondLst>
+                            <p:childTnLst>
+                              <p:par>
+                                <p:cTn id="21" presetID="1" presetClass="entr" presetSubtype="0" fill="hold" grpId="0" nodeType="clickEffect">
+                                  <p:stCondLst>
+                                    <p:cond delay="0"/>
+                                  </p:stCondLst>
+                                  <p:childTnLst>
+                                    <p:set>
+                                      <p:cBhvr>
+                                        <p:cTn id="22" dur="1" fill="hold">
+                                          <p:stCondLst>
+                                            <p:cond delay="0"/>
+                                          </p:stCondLst>
+                                        </p:cTn>
+                                        <p:tgtEl>
+                                          <p:spTgt spid="3">
+                                            <p:txEl>
+                                              <p:pRg st="4" end="4"/>
+                                            </p:txEl>
+                                          </p:spTgt>
+                                        </p:tgtEl>
+                                        <p:attrNameLst>
+                                          <p:attrName>style.visibility</p:attrName>
+                                        </p:attrNameLst>
+                                      </p:cBhvr>
+                                      <p:to>
+                                        <p:strVal val="visible"/>
+                                      </p:to>
+                                    </p:set>
+                                  </p:childTnLst>
+                                </p:cTn>
+                              </p:par>
+                              <p:par>
+                                <p:cTn id="23" presetID="1" presetClass="entr" presetSubtype="0" fill="hold" grpId="0" nodeType="withEffect">
+                                  <p:stCondLst>
+                                    <p:cond delay="0"/>
+                                  </p:stCondLst>
+                                  <p:childTnLst>
+                                    <p:set>
+                                      <p:cBhvr>
+                                        <p:cTn id="24" dur="1" fill="hold">
+                                          <p:stCondLst>
+                                            <p:cond delay="0"/>
+                                          </p:stCondLst>
+                                        </p:cTn>
+                                        <p:tgtEl>
+                                          <p:spTgt spid="3">
+                                            <p:txEl>
+                                              <p:pRg st="5" end="5"/>
+                                            </p:txEl>
+                                          </p:spTgt>
+                                        </p:tgtEl>
+                                        <p:attrNameLst>
+                                          <p:attrName>style.visibility</p:attrName>
+                                        </p:attrNameLst>
+                                      </p:cBhvr>
+                                      <p:to>
+                                        <p:strVal val="visible"/>
+                                      </p:to>
+                                    </p:set>
+                                  </p:childTnLst>
+                                </p:cTn>
+                              </p:par>
+                            </p:childTnLst>
+                          </p:cTn>
+                        </p:par>
+                      </p:childTnLst>
+                    </p:cTn>
+                  </p:par>
+                  <p:par>
+                    <p:cTn id="25" fill="hold">
+                      <p:stCondLst>
+                        <p:cond delay="indefinite"/>
+                      </p:stCondLst>
+                      <p:childTnLst>
+                        <p:par>
+                          <p:cTn id="26" fill="hold">
+                            <p:stCondLst>
+                              <p:cond delay="0"/>
+                            </p:stCondLst>
+                            <p:childTnLst>
+                              <p:par>
+                                <p:cTn id="27" presetID="1" presetClass="entr" presetSubtype="0" fill="hold" grpId="0" nodeType="clickEffect">
+                                  <p:stCondLst>
+                                    <p:cond delay="0"/>
+                                  </p:stCondLst>
+                                  <p:childTnLst>
+                                    <p:set>
+                                      <p:cBhvr>
+                                        <p:cTn id="28" dur="1" fill="hold">
+                                          <p:stCondLst>
+                                            <p:cond delay="0"/>
+                                          </p:stCondLst>
+                                        </p:cTn>
+                                        <p:tgtEl>
+                                          <p:spTgt spid="3">
+                                            <p:txEl>
+                                              <p:pRg st="6" end="6"/>
+                                            </p:txEl>
+                                          </p:spTgt>
+                                        </p:tgtEl>
+                                        <p:attrNameLst>
+                                          <p:attrName>style.visibility</p:attrName>
+                                        </p:attrNameLst>
+                                      </p:cBhvr>
+                                      <p:to>
+                                        <p:strVal val="visible"/>
+                                      </p:to>
+                                    </p:set>
+                                  </p:childTnLst>
+                                </p:cTn>
+                              </p:par>
+                            </p:childTnLst>
+                          </p:cTn>
+                        </p:par>
+                      </p:childTnLst>
+                    </p:cTn>
+                  </p:par>
+                  <p:par>
+                    <p:cTn id="29" fill="hold">
+                      <p:stCondLst>
+                        <p:cond delay="indefinite"/>
+                      </p:stCondLst>
+                      <p:childTnLst>
+                        <p:par>
+                          <p:cTn id="30" fill="hold">
+                            <p:stCondLst>
+                              <p:cond delay="0"/>
+                            </p:stCondLst>
+                            <p:childTnLst>
+                              <p:par>
+                                <p:cTn id="31" presetID="1" presetClass="entr" presetSubtype="0" fill="hold" grpId="0" nodeType="clickEffect">
+                                  <p:stCondLst>
+                                    <p:cond delay="0"/>
+                                  </p:stCondLst>
+                                  <p:childTnLst>
+                                    <p:set>
+                                      <p:cBhvr>
+                                        <p:cTn id="32" dur="1" fill="hold">
+                                          <p:stCondLst>
+                                            <p:cond delay="0"/>
+                                          </p:stCondLst>
+                                        </p:cTn>
+                                        <p:tgtEl>
+                                          <p:spTgt spid="3">
+                                            <p:txEl>
+                                              <p:pRg st="7" end="7"/>
+                                            </p:txEl>
+                                          </p:spTgt>
+                                        </p:tgtEl>
+                                        <p:attrNameLst>
+                                          <p:attrName>style.visibility</p:attrName>
+                                        </p:attrNameLst>
+                                      </p:cBhvr>
+                                      <p:to>
+                                        <p:strVal val="visible"/>
+                                      </p:to>
+                                    </p:set>
+                                  </p:childTnLst>
+                                </p:cTn>
+                              </p:par>
+                            </p:childTnLst>
+                          </p:cTn>
+                        </p:par>
+                      </p:childTnLst>
+                    </p:cTn>
+                  </p:par>
+                </p:childTnLst>
+              </p:cTn>
+              <p:prevCondLst>
+                <p:cond evt="onPrev" delay="0">
+                  <p:tgtEl>
+                    <p:sldTgt/>
+                  </p:tgtEl>
+                </p:cond>
+              </p:prevCondLst>
+              <p:nextCondLst>
+                <p:cond evt="onNext" delay="0">
+                  <p:tgtEl>
+                    <p:sldTgt/>
+                  </p:tgtEl>
+                </p:cond>
+              </p:nextCondLst>
+            </p:seq>
+          </p:childTnLst>
+        </p:cTn>
+      </p:par>
+    </p:tnLst>
+    <p:bldLst>
+      <p:bldP spid="3" grpId="0" build="p"/>
+    </p:bldLst>
+  </p:timing>
 </p:sld>
 </file>
 
@@ -39551,55 +42324,55 @@
           <a:lstStyle/>
           <a:p>
             <a:r>
-              <a:rPr lang="en-US" sz="2400"/>
+              <a:rPr lang="en-US" sz="2400" dirty="0"/>
               <a:t>Good cover letters and scripts are NOT written in a hurry </a:t>
             </a:r>
           </a:p>
           <a:p>
             <a:r>
-              <a:rPr lang="en-US" sz="2400"/>
+              <a:rPr lang="en-US" sz="2400" dirty="0"/>
               <a:t>The usually things to include </a:t>
             </a:r>
           </a:p>
           <a:p>
             <a:pPr lvl="1"/>
             <a:r>
-              <a:rPr lang="en-US"/>
+              <a:rPr lang="en-US" dirty="0"/>
               <a:t>Who you are </a:t>
             </a:r>
           </a:p>
           <a:p>
             <a:pPr lvl="1"/>
             <a:r>
-              <a:rPr lang="en-US"/>
+              <a:rPr lang="en-US" dirty="0"/>
               <a:t>Why you are contacting them </a:t>
             </a:r>
           </a:p>
           <a:p>
             <a:pPr lvl="1"/>
             <a:r>
-              <a:rPr lang="en-US"/>
+              <a:rPr lang="en-US" dirty="0"/>
               <a:t>Promise of anonymity or confidentiality </a:t>
             </a:r>
           </a:p>
           <a:p>
             <a:pPr lvl="1"/>
             <a:r>
-              <a:rPr lang="en-US"/>
+              <a:rPr lang="en-US" dirty="0"/>
               <a:t>The request for help </a:t>
             </a:r>
           </a:p>
           <a:p>
             <a:pPr lvl="1"/>
             <a:r>
-              <a:rPr lang="en-US"/>
+              <a:rPr lang="en-US" dirty="0"/>
               <a:t>How long it will take </a:t>
             </a:r>
           </a:p>
           <a:p>
             <a:pPr lvl="1"/>
             <a:r>
-              <a:rPr lang="en-US"/>
+              <a:rPr lang="en-US" dirty="0"/>
               <a:t>Any incentives</a:t>
             </a:r>
           </a:p>
@@ -39701,6 +42474,323 @@
   <p:clrMapOvr>
     <a:masterClrMapping/>
   </p:clrMapOvr>
+  <p:timing>
+    <p:tnLst>
+      <p:par>
+        <p:cTn id="1" dur="indefinite" restart="never" nodeType="tmRoot">
+          <p:childTnLst>
+            <p:seq concurrent="1" nextAc="seek">
+              <p:cTn id="2" dur="indefinite" nodeType="mainSeq">
+                <p:childTnLst>
+                  <p:par>
+                    <p:cTn id="3" fill="hold">
+                      <p:stCondLst>
+                        <p:cond delay="indefinite"/>
+                      </p:stCondLst>
+                      <p:childTnLst>
+                        <p:par>
+                          <p:cTn id="4" fill="hold">
+                            <p:stCondLst>
+                              <p:cond delay="0"/>
+                            </p:stCondLst>
+                            <p:childTnLst>
+                              <p:par>
+                                <p:cTn id="5" presetID="1" presetClass="entr" presetSubtype="0" fill="hold" grpId="0" nodeType="clickEffect">
+                                  <p:stCondLst>
+                                    <p:cond delay="0"/>
+                                  </p:stCondLst>
+                                  <p:childTnLst>
+                                    <p:set>
+                                      <p:cBhvr>
+                                        <p:cTn id="6" dur="1" fill="hold">
+                                          <p:stCondLst>
+                                            <p:cond delay="0"/>
+                                          </p:stCondLst>
+                                        </p:cTn>
+                                        <p:tgtEl>
+                                          <p:spTgt spid="25">
+                                            <p:txEl>
+                                              <p:pRg st="0" end="0"/>
+                                            </p:txEl>
+                                          </p:spTgt>
+                                        </p:tgtEl>
+                                        <p:attrNameLst>
+                                          <p:attrName>style.visibility</p:attrName>
+                                        </p:attrNameLst>
+                                      </p:cBhvr>
+                                      <p:to>
+                                        <p:strVal val="visible"/>
+                                      </p:to>
+                                    </p:set>
+                                  </p:childTnLst>
+                                </p:cTn>
+                              </p:par>
+                            </p:childTnLst>
+                          </p:cTn>
+                        </p:par>
+                      </p:childTnLst>
+                    </p:cTn>
+                  </p:par>
+                  <p:par>
+                    <p:cTn id="7" fill="hold">
+                      <p:stCondLst>
+                        <p:cond delay="indefinite"/>
+                      </p:stCondLst>
+                      <p:childTnLst>
+                        <p:par>
+                          <p:cTn id="8" fill="hold">
+                            <p:stCondLst>
+                              <p:cond delay="0"/>
+                            </p:stCondLst>
+                            <p:childTnLst>
+                              <p:par>
+                                <p:cTn id="9" presetID="1" presetClass="entr" presetSubtype="0" fill="hold" grpId="0" nodeType="clickEffect">
+                                  <p:stCondLst>
+                                    <p:cond delay="0"/>
+                                  </p:stCondLst>
+                                  <p:childTnLst>
+                                    <p:set>
+                                      <p:cBhvr>
+                                        <p:cTn id="10" dur="1" fill="hold">
+                                          <p:stCondLst>
+                                            <p:cond delay="0"/>
+                                          </p:stCondLst>
+                                        </p:cTn>
+                                        <p:tgtEl>
+                                          <p:spTgt spid="25">
+                                            <p:txEl>
+                                              <p:pRg st="1" end="1"/>
+                                            </p:txEl>
+                                          </p:spTgt>
+                                        </p:tgtEl>
+                                        <p:attrNameLst>
+                                          <p:attrName>style.visibility</p:attrName>
+                                        </p:attrNameLst>
+                                      </p:cBhvr>
+                                      <p:to>
+                                        <p:strVal val="visible"/>
+                                      </p:to>
+                                    </p:set>
+                                  </p:childTnLst>
+                                </p:cTn>
+                              </p:par>
+                              <p:par>
+                                <p:cTn id="11" presetID="1" presetClass="entr" presetSubtype="0" fill="hold" grpId="0" nodeType="withEffect">
+                                  <p:stCondLst>
+                                    <p:cond delay="0"/>
+                                  </p:stCondLst>
+                                  <p:childTnLst>
+                                    <p:set>
+                                      <p:cBhvr>
+                                        <p:cTn id="12" dur="1" fill="hold">
+                                          <p:stCondLst>
+                                            <p:cond delay="0"/>
+                                          </p:stCondLst>
+                                        </p:cTn>
+                                        <p:tgtEl>
+                                          <p:spTgt spid="25">
+                                            <p:txEl>
+                                              <p:pRg st="2" end="2"/>
+                                            </p:txEl>
+                                          </p:spTgt>
+                                        </p:tgtEl>
+                                        <p:attrNameLst>
+                                          <p:attrName>style.visibility</p:attrName>
+                                        </p:attrNameLst>
+                                      </p:cBhvr>
+                                      <p:to>
+                                        <p:strVal val="visible"/>
+                                      </p:to>
+                                    </p:set>
+                                  </p:childTnLst>
+                                </p:cTn>
+                              </p:par>
+                              <p:par>
+                                <p:cTn id="13" presetID="1" presetClass="entr" presetSubtype="0" fill="hold" grpId="0" nodeType="withEffect">
+                                  <p:stCondLst>
+                                    <p:cond delay="0"/>
+                                  </p:stCondLst>
+                                  <p:childTnLst>
+                                    <p:set>
+                                      <p:cBhvr>
+                                        <p:cTn id="14" dur="1" fill="hold">
+                                          <p:stCondLst>
+                                            <p:cond delay="0"/>
+                                          </p:stCondLst>
+                                        </p:cTn>
+                                        <p:tgtEl>
+                                          <p:spTgt spid="25">
+                                            <p:txEl>
+                                              <p:pRg st="3" end="3"/>
+                                            </p:txEl>
+                                          </p:spTgt>
+                                        </p:tgtEl>
+                                        <p:attrNameLst>
+                                          <p:attrName>style.visibility</p:attrName>
+                                        </p:attrNameLst>
+                                      </p:cBhvr>
+                                      <p:to>
+                                        <p:strVal val="visible"/>
+                                      </p:to>
+                                    </p:set>
+                                  </p:childTnLst>
+                                </p:cTn>
+                              </p:par>
+                              <p:par>
+                                <p:cTn id="15" presetID="1" presetClass="entr" presetSubtype="0" fill="hold" grpId="0" nodeType="withEffect">
+                                  <p:stCondLst>
+                                    <p:cond delay="0"/>
+                                  </p:stCondLst>
+                                  <p:childTnLst>
+                                    <p:set>
+                                      <p:cBhvr>
+                                        <p:cTn id="16" dur="1" fill="hold">
+                                          <p:stCondLst>
+                                            <p:cond delay="0"/>
+                                          </p:stCondLst>
+                                        </p:cTn>
+                                        <p:tgtEl>
+                                          <p:spTgt spid="25">
+                                            <p:txEl>
+                                              <p:pRg st="4" end="4"/>
+                                            </p:txEl>
+                                          </p:spTgt>
+                                        </p:tgtEl>
+                                        <p:attrNameLst>
+                                          <p:attrName>style.visibility</p:attrName>
+                                        </p:attrNameLst>
+                                      </p:cBhvr>
+                                      <p:to>
+                                        <p:strVal val="visible"/>
+                                      </p:to>
+                                    </p:set>
+                                  </p:childTnLst>
+                                </p:cTn>
+                              </p:par>
+                              <p:par>
+                                <p:cTn id="17" presetID="1" presetClass="entr" presetSubtype="0" fill="hold" grpId="0" nodeType="withEffect">
+                                  <p:stCondLst>
+                                    <p:cond delay="0"/>
+                                  </p:stCondLst>
+                                  <p:childTnLst>
+                                    <p:set>
+                                      <p:cBhvr>
+                                        <p:cTn id="18" dur="1" fill="hold">
+                                          <p:stCondLst>
+                                            <p:cond delay="0"/>
+                                          </p:stCondLst>
+                                        </p:cTn>
+                                        <p:tgtEl>
+                                          <p:spTgt spid="25">
+                                            <p:txEl>
+                                              <p:pRg st="5" end="5"/>
+                                            </p:txEl>
+                                          </p:spTgt>
+                                        </p:tgtEl>
+                                        <p:attrNameLst>
+                                          <p:attrName>style.visibility</p:attrName>
+                                        </p:attrNameLst>
+                                      </p:cBhvr>
+                                      <p:to>
+                                        <p:strVal val="visible"/>
+                                      </p:to>
+                                    </p:set>
+                                  </p:childTnLst>
+                                </p:cTn>
+                              </p:par>
+                              <p:par>
+                                <p:cTn id="19" presetID="1" presetClass="entr" presetSubtype="0" fill="hold" grpId="0" nodeType="withEffect">
+                                  <p:stCondLst>
+                                    <p:cond delay="0"/>
+                                  </p:stCondLst>
+                                  <p:childTnLst>
+                                    <p:set>
+                                      <p:cBhvr>
+                                        <p:cTn id="20" dur="1" fill="hold">
+                                          <p:stCondLst>
+                                            <p:cond delay="0"/>
+                                          </p:stCondLst>
+                                        </p:cTn>
+                                        <p:tgtEl>
+                                          <p:spTgt spid="25">
+                                            <p:txEl>
+                                              <p:pRg st="6" end="6"/>
+                                            </p:txEl>
+                                          </p:spTgt>
+                                        </p:tgtEl>
+                                        <p:attrNameLst>
+                                          <p:attrName>style.visibility</p:attrName>
+                                        </p:attrNameLst>
+                                      </p:cBhvr>
+                                      <p:to>
+                                        <p:strVal val="visible"/>
+                                      </p:to>
+                                    </p:set>
+                                  </p:childTnLst>
+                                </p:cTn>
+                              </p:par>
+                              <p:par>
+                                <p:cTn id="21" presetID="1" presetClass="entr" presetSubtype="0" fill="hold" grpId="0" nodeType="withEffect">
+                                  <p:stCondLst>
+                                    <p:cond delay="0"/>
+                                  </p:stCondLst>
+                                  <p:childTnLst>
+                                    <p:set>
+                                      <p:cBhvr>
+                                        <p:cTn id="22" dur="1" fill="hold">
+                                          <p:stCondLst>
+                                            <p:cond delay="0"/>
+                                          </p:stCondLst>
+                                        </p:cTn>
+                                        <p:tgtEl>
+                                          <p:spTgt spid="25">
+                                            <p:txEl>
+                                              <p:pRg st="7" end="7"/>
+                                            </p:txEl>
+                                          </p:spTgt>
+                                        </p:tgtEl>
+                                        <p:attrNameLst>
+                                          <p:attrName>style.visibility</p:attrName>
+                                        </p:attrNameLst>
+                                      </p:cBhvr>
+                                      <p:to>
+                                        <p:strVal val="visible"/>
+                                      </p:to>
+                                    </p:set>
+                                  </p:childTnLst>
+                                </p:cTn>
+                              </p:par>
+                            </p:childTnLst>
+                          </p:cTn>
+                        </p:par>
+                      </p:childTnLst>
+                    </p:cTn>
+                  </p:par>
+                </p:childTnLst>
+              </p:cTn>
+              <p:prevCondLst>
+                <p:cond evt="onPrev" delay="0">
+                  <p:tgtEl>
+                    <p:sldTgt/>
+                  </p:tgtEl>
+                </p:cond>
+              </p:prevCondLst>
+              <p:nextCondLst>
+                <p:cond evt="onNext" delay="0">
+                  <p:tgtEl>
+                    <p:sldTgt/>
+                  </p:tgtEl>
+                </p:cond>
+              </p:nextCondLst>
+            </p:seq>
+          </p:childTnLst>
+        </p:cTn>
+      </p:par>
+    </p:tnLst>
+    <p:bldLst>
+      <p:bldP spid="25" grpId="0" build="p"/>
+    </p:bldLst>
+  </p:timing>
 </p:sld>
 </file>
 
@@ -40077,26 +43167,26 @@
           <a:lstStyle/>
           <a:p>
             <a:r>
-              <a:rPr lang="en-US" sz="2400"/>
+              <a:rPr lang="en-US" sz="2400" dirty="0"/>
               <a:t>Developing a questionnaire is a VERY difficult process. It normally requires several revisions of the data collection form </a:t>
             </a:r>
           </a:p>
           <a:p>
             <a:pPr lvl="1"/>
             <a:r>
-              <a:rPr lang="en-US"/>
+              <a:rPr lang="en-US" dirty="0"/>
               <a:t>Pretest: Use of a questionnaire (or observation form) on a trial basis in a small pilot study to determine how well the questionnaire (or observation form) works </a:t>
             </a:r>
           </a:p>
           <a:p>
             <a:r>
-              <a:rPr lang="en-US" sz="2400"/>
+              <a:rPr lang="en-US" sz="2400" dirty="0"/>
               <a:t>The real test of a questionnaire is how it performs under actual conditions of data collection </a:t>
             </a:r>
           </a:p>
           <a:p>
             <a:r>
-              <a:rPr lang="en-US" sz="2400"/>
+              <a:rPr lang="en-US" sz="2400" dirty="0"/>
               <a:t>Data collection should NEVER begin until you have pretested – and probably revised again –the questionnaire </a:t>
             </a:r>
           </a:p>
@@ -40198,6 +43288,217 @@
   <p:clrMapOvr>
     <a:masterClrMapping/>
   </p:clrMapOvr>
+  <p:timing>
+    <p:tnLst>
+      <p:par>
+        <p:cTn id="1" dur="indefinite" restart="never" nodeType="tmRoot">
+          <p:childTnLst>
+            <p:seq concurrent="1" nextAc="seek">
+              <p:cTn id="2" dur="indefinite" nodeType="mainSeq">
+                <p:childTnLst>
+                  <p:par>
+                    <p:cTn id="3" fill="hold">
+                      <p:stCondLst>
+                        <p:cond delay="indefinite"/>
+                      </p:stCondLst>
+                      <p:childTnLst>
+                        <p:par>
+                          <p:cTn id="4" fill="hold">
+                            <p:stCondLst>
+                              <p:cond delay="0"/>
+                            </p:stCondLst>
+                            <p:childTnLst>
+                              <p:par>
+                                <p:cTn id="5" presetID="1" presetClass="entr" presetSubtype="0" fill="hold" grpId="0" nodeType="clickEffect">
+                                  <p:stCondLst>
+                                    <p:cond delay="0"/>
+                                  </p:stCondLst>
+                                  <p:childTnLst>
+                                    <p:set>
+                                      <p:cBhvr>
+                                        <p:cTn id="6" dur="1" fill="hold">
+                                          <p:stCondLst>
+                                            <p:cond delay="0"/>
+                                          </p:stCondLst>
+                                        </p:cTn>
+                                        <p:tgtEl>
+                                          <p:spTgt spid="3">
+                                            <p:txEl>
+                                              <p:pRg st="0" end="0"/>
+                                            </p:txEl>
+                                          </p:spTgt>
+                                        </p:tgtEl>
+                                        <p:attrNameLst>
+                                          <p:attrName>style.visibility</p:attrName>
+                                        </p:attrNameLst>
+                                      </p:cBhvr>
+                                      <p:to>
+                                        <p:strVal val="visible"/>
+                                      </p:to>
+                                    </p:set>
+                                  </p:childTnLst>
+                                </p:cTn>
+                              </p:par>
+                              <p:par>
+                                <p:cTn id="7" presetID="1" presetClass="entr" presetSubtype="0" fill="hold" grpId="0" nodeType="withEffect">
+                                  <p:stCondLst>
+                                    <p:cond delay="0"/>
+                                  </p:stCondLst>
+                                  <p:childTnLst>
+                                    <p:set>
+                                      <p:cBhvr>
+                                        <p:cTn id="8" dur="1" fill="hold">
+                                          <p:stCondLst>
+                                            <p:cond delay="0"/>
+                                          </p:stCondLst>
+                                        </p:cTn>
+                                        <p:tgtEl>
+                                          <p:spTgt spid="3">
+                                            <p:txEl>
+                                              <p:pRg st="1" end="1"/>
+                                            </p:txEl>
+                                          </p:spTgt>
+                                        </p:tgtEl>
+                                        <p:attrNameLst>
+                                          <p:attrName>style.visibility</p:attrName>
+                                        </p:attrNameLst>
+                                      </p:cBhvr>
+                                      <p:to>
+                                        <p:strVal val="visible"/>
+                                      </p:to>
+                                    </p:set>
+                                  </p:childTnLst>
+                                </p:cTn>
+                              </p:par>
+                            </p:childTnLst>
+                          </p:cTn>
+                        </p:par>
+                      </p:childTnLst>
+                    </p:cTn>
+                  </p:par>
+                  <p:par>
+                    <p:cTn id="9" fill="hold">
+                      <p:stCondLst>
+                        <p:cond delay="indefinite"/>
+                      </p:stCondLst>
+                      <p:childTnLst>
+                        <p:par>
+                          <p:cTn id="10" fill="hold">
+                            <p:stCondLst>
+                              <p:cond delay="0"/>
+                            </p:stCondLst>
+                            <p:childTnLst>
+                              <p:par>
+                                <p:cTn id="11" presetID="1" presetClass="entr" presetSubtype="0" fill="hold" grpId="0" nodeType="clickEffect">
+                                  <p:stCondLst>
+                                    <p:cond delay="0"/>
+                                  </p:stCondLst>
+                                  <p:childTnLst>
+                                    <p:set>
+                                      <p:cBhvr>
+                                        <p:cTn id="12" dur="1" fill="hold">
+                                          <p:stCondLst>
+                                            <p:cond delay="0"/>
+                                          </p:stCondLst>
+                                        </p:cTn>
+                                        <p:tgtEl>
+                                          <p:spTgt spid="3">
+                                            <p:txEl>
+                                              <p:pRg st="2" end="2"/>
+                                            </p:txEl>
+                                          </p:spTgt>
+                                        </p:tgtEl>
+                                        <p:attrNameLst>
+                                          <p:attrName>style.visibility</p:attrName>
+                                        </p:attrNameLst>
+                                      </p:cBhvr>
+                                      <p:to>
+                                        <p:strVal val="visible"/>
+                                      </p:to>
+                                    </p:set>
+                                  </p:childTnLst>
+                                </p:cTn>
+                              </p:par>
+                            </p:childTnLst>
+                          </p:cTn>
+                        </p:par>
+                      </p:childTnLst>
+                    </p:cTn>
+                  </p:par>
+                  <p:par>
+                    <p:cTn id="13" fill="hold">
+                      <p:stCondLst>
+                        <p:cond delay="indefinite"/>
+                      </p:stCondLst>
+                      <p:childTnLst>
+                        <p:par>
+                          <p:cTn id="14" fill="hold">
+                            <p:stCondLst>
+                              <p:cond delay="0"/>
+                            </p:stCondLst>
+                            <p:childTnLst>
+                              <p:par>
+                                <p:cTn id="15" presetID="1" presetClass="entr" presetSubtype="0" fill="hold" grpId="0" nodeType="clickEffect">
+                                  <p:stCondLst>
+                                    <p:cond delay="0"/>
+                                  </p:stCondLst>
+                                  <p:childTnLst>
+                                    <p:set>
+                                      <p:cBhvr>
+                                        <p:cTn id="16" dur="1" fill="hold">
+                                          <p:stCondLst>
+                                            <p:cond delay="0"/>
+                                          </p:stCondLst>
+                                        </p:cTn>
+                                        <p:tgtEl>
+                                          <p:spTgt spid="3">
+                                            <p:txEl>
+                                              <p:pRg st="3" end="3"/>
+                                            </p:txEl>
+                                          </p:spTgt>
+                                        </p:tgtEl>
+                                        <p:attrNameLst>
+                                          <p:attrName>style.visibility</p:attrName>
+                                        </p:attrNameLst>
+                                      </p:cBhvr>
+                                      <p:to>
+                                        <p:strVal val="visible"/>
+                                      </p:to>
+                                    </p:set>
+                                  </p:childTnLst>
+                                </p:cTn>
+                              </p:par>
+                            </p:childTnLst>
+                          </p:cTn>
+                        </p:par>
+                      </p:childTnLst>
+                    </p:cTn>
+                  </p:par>
+                </p:childTnLst>
+              </p:cTn>
+              <p:prevCondLst>
+                <p:cond evt="onPrev" delay="0">
+                  <p:tgtEl>
+                    <p:sldTgt/>
+                  </p:tgtEl>
+                </p:cond>
+              </p:prevCondLst>
+              <p:nextCondLst>
+                <p:cond evt="onNext" delay="0">
+                  <p:tgtEl>
+                    <p:sldTgt/>
+                  </p:tgtEl>
+                </p:cond>
+              </p:nextCondLst>
+            </p:seq>
+          </p:childTnLst>
+        </p:cTn>
+      </p:par>
+    </p:tnLst>
+    <p:bldLst>
+      <p:bldP spid="3" grpId="0" build="p"/>
+    </p:bldLst>
+  </p:timing>
 </p:sld>
 </file>
 
@@ -41481,6 +44782,265 @@
   <p:clrMapOvr>
     <a:masterClrMapping/>
   </p:clrMapOvr>
+  <p:timing>
+    <p:tnLst>
+      <p:par>
+        <p:cTn id="1" dur="indefinite" restart="never" nodeType="tmRoot">
+          <p:childTnLst>
+            <p:seq concurrent="1" nextAc="seek">
+              <p:cTn id="2" dur="indefinite" nodeType="mainSeq">
+                <p:childTnLst>
+                  <p:par>
+                    <p:cTn id="3" fill="hold">
+                      <p:stCondLst>
+                        <p:cond delay="indefinite"/>
+                      </p:stCondLst>
+                      <p:childTnLst>
+                        <p:par>
+                          <p:cTn id="4" fill="hold">
+                            <p:stCondLst>
+                              <p:cond delay="0"/>
+                            </p:stCondLst>
+                            <p:childTnLst>
+                              <p:par>
+                                <p:cTn id="5" presetID="1" presetClass="entr" presetSubtype="0" fill="hold" grpId="0" nodeType="clickEffect">
+                                  <p:stCondLst>
+                                    <p:cond delay="0"/>
+                                  </p:stCondLst>
+                                  <p:childTnLst>
+                                    <p:set>
+                                      <p:cBhvr>
+                                        <p:cTn id="6" dur="1" fill="hold">
+                                          <p:stCondLst>
+                                            <p:cond delay="0"/>
+                                          </p:stCondLst>
+                                        </p:cTn>
+                                        <p:tgtEl>
+                                          <p:spTgt spid="7">
+                                            <p:graphicEl>
+                                              <a:dgm id="{7D235F35-647F-4B45-A692-41681BF17FF2}"/>
+                                            </p:graphicEl>
+                                          </p:spTgt>
+                                        </p:tgtEl>
+                                        <p:attrNameLst>
+                                          <p:attrName>style.visibility</p:attrName>
+                                        </p:attrNameLst>
+                                      </p:cBhvr>
+                                      <p:to>
+                                        <p:strVal val="visible"/>
+                                      </p:to>
+                                    </p:set>
+                                  </p:childTnLst>
+                                </p:cTn>
+                              </p:par>
+                              <p:par>
+                                <p:cTn id="7" presetID="1" presetClass="entr" presetSubtype="0" fill="hold" grpId="0" nodeType="withEffect">
+                                  <p:stCondLst>
+                                    <p:cond delay="0"/>
+                                  </p:stCondLst>
+                                  <p:childTnLst>
+                                    <p:set>
+                                      <p:cBhvr>
+                                        <p:cTn id="8" dur="1" fill="hold">
+                                          <p:stCondLst>
+                                            <p:cond delay="0"/>
+                                          </p:stCondLst>
+                                        </p:cTn>
+                                        <p:tgtEl>
+                                          <p:spTgt spid="7">
+                                            <p:graphicEl>
+                                              <a:dgm id="{9347FE11-9BD4-4A50-8CA8-C8F116B298B7}"/>
+                                            </p:graphicEl>
+                                          </p:spTgt>
+                                        </p:tgtEl>
+                                        <p:attrNameLst>
+                                          <p:attrName>style.visibility</p:attrName>
+                                        </p:attrNameLst>
+                                      </p:cBhvr>
+                                      <p:to>
+                                        <p:strVal val="visible"/>
+                                      </p:to>
+                                    </p:set>
+                                  </p:childTnLst>
+                                </p:cTn>
+                              </p:par>
+                              <p:par>
+                                <p:cTn id="9" presetID="1" presetClass="entr" presetSubtype="0" fill="hold" grpId="0" nodeType="withEffect">
+                                  <p:stCondLst>
+                                    <p:cond delay="0"/>
+                                  </p:stCondLst>
+                                  <p:childTnLst>
+                                    <p:set>
+                                      <p:cBhvr>
+                                        <p:cTn id="10" dur="1" fill="hold">
+                                          <p:stCondLst>
+                                            <p:cond delay="0"/>
+                                          </p:stCondLst>
+                                        </p:cTn>
+                                        <p:tgtEl>
+                                          <p:spTgt spid="7">
+                                            <p:graphicEl>
+                                              <a:dgm id="{61AF804A-A6B8-47A9-A4CF-170933A3E983}"/>
+                                            </p:graphicEl>
+                                          </p:spTgt>
+                                        </p:tgtEl>
+                                        <p:attrNameLst>
+                                          <p:attrName>style.visibility</p:attrName>
+                                        </p:attrNameLst>
+                                      </p:cBhvr>
+                                      <p:to>
+                                        <p:strVal val="visible"/>
+                                      </p:to>
+                                    </p:set>
+                                  </p:childTnLst>
+                                </p:cTn>
+                              </p:par>
+                            </p:childTnLst>
+                          </p:cTn>
+                        </p:par>
+                      </p:childTnLst>
+                    </p:cTn>
+                  </p:par>
+                  <p:par>
+                    <p:cTn id="11" fill="hold">
+                      <p:stCondLst>
+                        <p:cond delay="indefinite"/>
+                      </p:stCondLst>
+                      <p:childTnLst>
+                        <p:par>
+                          <p:cTn id="12" fill="hold">
+                            <p:stCondLst>
+                              <p:cond delay="0"/>
+                            </p:stCondLst>
+                            <p:childTnLst>
+                              <p:par>
+                                <p:cTn id="13" presetID="1" presetClass="entr" presetSubtype="0" fill="hold" grpId="0" nodeType="clickEffect">
+                                  <p:stCondLst>
+                                    <p:cond delay="0"/>
+                                  </p:stCondLst>
+                                  <p:childTnLst>
+                                    <p:set>
+                                      <p:cBhvr>
+                                        <p:cTn id="14" dur="1" fill="hold">
+                                          <p:stCondLst>
+                                            <p:cond delay="0"/>
+                                          </p:stCondLst>
+                                        </p:cTn>
+                                        <p:tgtEl>
+                                          <p:spTgt spid="7">
+                                            <p:graphicEl>
+                                              <a:dgm id="{5D8455BA-78A0-4897-8732-496D2A7E1A73}"/>
+                                            </p:graphicEl>
+                                          </p:spTgt>
+                                        </p:tgtEl>
+                                        <p:attrNameLst>
+                                          <p:attrName>style.visibility</p:attrName>
+                                        </p:attrNameLst>
+                                      </p:cBhvr>
+                                      <p:to>
+                                        <p:strVal val="visible"/>
+                                      </p:to>
+                                    </p:set>
+                                  </p:childTnLst>
+                                </p:cTn>
+                              </p:par>
+                              <p:par>
+                                <p:cTn id="15" presetID="1" presetClass="entr" presetSubtype="0" fill="hold" grpId="0" nodeType="withEffect">
+                                  <p:stCondLst>
+                                    <p:cond delay="0"/>
+                                  </p:stCondLst>
+                                  <p:childTnLst>
+                                    <p:set>
+                                      <p:cBhvr>
+                                        <p:cTn id="16" dur="1" fill="hold">
+                                          <p:stCondLst>
+                                            <p:cond delay="0"/>
+                                          </p:stCondLst>
+                                        </p:cTn>
+                                        <p:tgtEl>
+                                          <p:spTgt spid="7">
+                                            <p:graphicEl>
+                                              <a:dgm id="{D825DA9B-E32D-4B26-B946-9F431D7486AE}"/>
+                                            </p:graphicEl>
+                                          </p:spTgt>
+                                        </p:tgtEl>
+                                        <p:attrNameLst>
+                                          <p:attrName>style.visibility</p:attrName>
+                                        </p:attrNameLst>
+                                      </p:cBhvr>
+                                      <p:to>
+                                        <p:strVal val="visible"/>
+                                      </p:to>
+                                    </p:set>
+                                  </p:childTnLst>
+                                </p:cTn>
+                              </p:par>
+                              <p:par>
+                                <p:cTn id="17" presetID="1" presetClass="entr" presetSubtype="0" fill="hold" grpId="0" nodeType="withEffect">
+                                  <p:stCondLst>
+                                    <p:cond delay="0"/>
+                                  </p:stCondLst>
+                                  <p:childTnLst>
+                                    <p:set>
+                                      <p:cBhvr>
+                                        <p:cTn id="18" dur="1" fill="hold">
+                                          <p:stCondLst>
+                                            <p:cond delay="0"/>
+                                          </p:stCondLst>
+                                        </p:cTn>
+                                        <p:tgtEl>
+                                          <p:spTgt spid="7">
+                                            <p:graphicEl>
+                                              <a:dgm id="{041272E8-3B7B-4A81-ACD3-C864F5114063}"/>
+                                            </p:graphicEl>
+                                          </p:spTgt>
+                                        </p:tgtEl>
+                                        <p:attrNameLst>
+                                          <p:attrName>style.visibility</p:attrName>
+                                        </p:attrNameLst>
+                                      </p:cBhvr>
+                                      <p:to>
+                                        <p:strVal val="visible"/>
+                                      </p:to>
+                                    </p:set>
+                                  </p:childTnLst>
+                                </p:cTn>
+                              </p:par>
+                            </p:childTnLst>
+                          </p:cTn>
+                        </p:par>
+                      </p:childTnLst>
+                    </p:cTn>
+                  </p:par>
+                </p:childTnLst>
+              </p:cTn>
+              <p:prevCondLst>
+                <p:cond evt="onPrev" delay="0">
+                  <p:tgtEl>
+                    <p:sldTgt/>
+                  </p:tgtEl>
+                </p:cond>
+              </p:prevCondLst>
+              <p:nextCondLst>
+                <p:cond evt="onNext" delay="0">
+                  <p:tgtEl>
+                    <p:sldTgt/>
+                  </p:tgtEl>
+                </p:cond>
+              </p:nextCondLst>
+            </p:seq>
+          </p:childTnLst>
+        </p:cTn>
+      </p:par>
+    </p:tnLst>
+    <p:bldLst>
+      <p:bldGraphic spid="7" grpId="0">
+        <p:bldSub>
+          <a:bldDgm bld="one"/>
+        </p:bldSub>
+      </p:bldGraphic>
+    </p:bldLst>
+  </p:timing>
 </p:sld>
 </file>
 
@@ -46517,14 +50077,6 @@
 </file>
 
 <file path=customXml/item1.xml><?xml version="1.0" encoding="utf-8"?>
-<p:properties xmlns:p="http://schemas.microsoft.com/office/2006/metadata/properties" xmlns:xsi="http://www.w3.org/2001/XMLSchema-instance" xmlns:pc="http://schemas.microsoft.com/office/infopath/2007/PartnerControls">
-  <documentManagement>
-    <MediaServiceKeyPoints xmlns="71af3243-3dd4-4a8d-8c0d-dd76da1f02a5" xsi:nil="true"/>
-  </documentManagement>
-</p:properties>
-</file>
-
-<file path=customXml/item2.xml><?xml version="1.0" encoding="utf-8"?>
 <?mso-contentType ?>
 <FormTemplates xmlns="http://schemas.microsoft.com/sharepoint/v3/contenttype/forms">
   <Display>DocumentLibraryForm</Display>
@@ -46533,7 +50085,7 @@
 </FormTemplates>
 </file>
 
-<file path=customXml/item3.xml><?xml version="1.0" encoding="utf-8"?>
+<file path=customXml/item2.xml><?xml version="1.0" encoding="utf-8"?>
 <ct:contentTypeSchema xmlns:ct="http://schemas.microsoft.com/office/2006/metadata/contentType" xmlns:ma="http://schemas.microsoft.com/office/2006/metadata/properties/metaAttributes" ct:_="" ma:_="" ma:contentTypeName="Document" ma:contentTypeID="0x01010079F111ED35F8CC479449609E8A0923A6" ma:contentTypeVersion="11" ma:contentTypeDescription="Create a new document." ma:contentTypeScope="" ma:versionID="96291512c1ee715ab617f4c07df79fc1">
   <xsd:schema xmlns:xsd="http://www.w3.org/2001/XMLSchema" xmlns:xs="http://www.w3.org/2001/XMLSchema" xmlns:p="http://schemas.microsoft.com/office/2006/metadata/properties" xmlns:ns2="71af3243-3dd4-4a8d-8c0d-dd76da1f02a5" xmlns:ns3="16c05727-aa75-4e4a-9b5f-8a80a1165891" targetNamespace="http://schemas.microsoft.com/office/2006/metadata/properties" ma:root="true" ma:fieldsID="8256c27c40ca5c40ce1cf6c44f0205df" ns2:_="" ns3:_="">
     <xsd:import namespace="71af3243-3dd4-4a8d-8c0d-dd76da1f02a5"/>
@@ -46744,17 +50296,15 @@
 </ct:contentTypeSchema>
 </file>
 
-<file path=customXml/itemProps1.xml><?xml version="1.0" encoding="utf-8"?>
-<ds:datastoreItem xmlns:ds="http://schemas.openxmlformats.org/officeDocument/2006/customXml" ds:itemID="{03C7D9E6-B0D9-433E-BD46-EB60F64F4DA8}">
-  <ds:schemaRefs>
-    <ds:schemaRef ds:uri="http://schemas.microsoft.com/office/2006/metadata/properties"/>
-    <ds:schemaRef ds:uri="http://schemas.microsoft.com/office/infopath/2007/PartnerControls"/>
-    <ds:schemaRef ds:uri="71af3243-3dd4-4a8d-8c0d-dd76da1f02a5"/>
-  </ds:schemaRefs>
-</ds:datastoreItem>
+<file path=customXml/item3.xml><?xml version="1.0" encoding="utf-8"?>
+<p:properties xmlns:p="http://schemas.microsoft.com/office/2006/metadata/properties" xmlns:xsi="http://www.w3.org/2001/XMLSchema-instance" xmlns:pc="http://schemas.microsoft.com/office/infopath/2007/PartnerControls">
+  <documentManagement>
+    <MediaServiceKeyPoints xmlns="71af3243-3dd4-4a8d-8c0d-dd76da1f02a5" xsi:nil="true"/>
+  </documentManagement>
+</p:properties>
 </file>
 
-<file path=customXml/itemProps2.xml><?xml version="1.0" encoding="utf-8"?>
+<file path=customXml/itemProps1.xml><?xml version="1.0" encoding="utf-8"?>
 <ds:datastoreItem xmlns:ds="http://schemas.openxmlformats.org/officeDocument/2006/customXml" ds:itemID="{5CA875DA-F9FD-4F83-A049-3B1027B542DE}">
   <ds:schemaRefs>
     <ds:schemaRef ds:uri="http://schemas.microsoft.com/sharepoint/v3/contenttype/forms"/>
@@ -46762,7 +50312,7 @@
 </ds:datastoreItem>
 </file>
 
-<file path=customXml/itemProps3.xml><?xml version="1.0" encoding="utf-8"?>
+<file path=customXml/itemProps2.xml><?xml version="1.0" encoding="utf-8"?>
 <ds:datastoreItem xmlns:ds="http://schemas.openxmlformats.org/officeDocument/2006/customXml" ds:itemID="{B2AB02E3-5ADF-4BF0-9C1B-35CDF3FE95B0}">
   <ds:schemaRefs>
     <ds:schemaRef ds:uri="http://schemas.microsoft.com/office/2006/metadata/contentType"/>
@@ -46779,4 +50329,14 @@
     <ds:schemaRef ds:uri="http://schemas.microsoft.com/internal/obd"/>
   </ds:schemaRefs>
 </ds:datastoreItem>
+</file>
+
+<file path=customXml/itemProps3.xml><?xml version="1.0" encoding="utf-8"?>
+<ds:datastoreItem xmlns:ds="http://schemas.openxmlformats.org/officeDocument/2006/customXml" ds:itemID="{03C7D9E6-B0D9-433E-BD46-EB60F64F4DA8}">
+  <ds:schemaRefs>
+    <ds:schemaRef ds:uri="http://schemas.microsoft.com/office/2006/metadata/properties"/>
+    <ds:schemaRef ds:uri="http://schemas.microsoft.com/office/infopath/2007/PartnerControls"/>
+    <ds:schemaRef ds:uri="71af3243-3dd4-4a8d-8c0d-dd76da1f02a5"/>
+  </ds:schemaRefs>
+</ds:datastoreItem>
 </file>